--- a/Presentations/Draft_Poster.pptx
+++ b/Presentations/Draft_Poster.pptx
@@ -2,19 +2,18 @@
 <file path=ppt/presentation.xml><?xml version="1.0" encoding="utf-8"?>
 <p:presentation xmlns:a="http://schemas.openxmlformats.org/drawingml/2006/main" xmlns:r="http://schemas.openxmlformats.org/officeDocument/2006/relationships" xmlns:p="http://schemas.openxmlformats.org/presentationml/2006/main" saveSubsetFonts="1">
   <p:sldMasterIdLst>
-    <p:sldMasterId id="2147483648" r:id="rId1"/>
+    <p:sldMasterId id="2147483660" r:id="rId1"/>
   </p:sldMasterIdLst>
   <p:sldIdLst>
     <p:sldId id="256" r:id="rId2"/>
-    <p:sldId id="257" r:id="rId3"/>
   </p:sldIdLst>
-  <p:sldSz cx="12192000" cy="6858000"/>
+  <p:sldSz cx="40233600" cy="29260800"/>
   <p:notesSz cx="6858000" cy="9144000"/>
   <p:defaultTextStyle>
     <a:defPPr>
       <a:defRPr lang="en-US"/>
     </a:defPPr>
-    <a:lvl1pPr marL="0" algn="l" defTabSz="914400" rtl="0" eaLnBrk="1" latinLnBrk="0" hangingPunct="1">
+    <a:lvl1pPr marL="0" algn="l" defTabSz="457200" rtl="0" eaLnBrk="1" latinLnBrk="0" hangingPunct="1">
       <a:defRPr sz="1800" kern="1200">
         <a:solidFill>
           <a:schemeClr val="tx1"/>
@@ -24,7 +23,7 @@
         <a:cs typeface="+mn-cs"/>
       </a:defRPr>
     </a:lvl1pPr>
-    <a:lvl2pPr marL="457200" algn="l" defTabSz="914400" rtl="0" eaLnBrk="1" latinLnBrk="0" hangingPunct="1">
+    <a:lvl2pPr marL="457200" algn="l" defTabSz="457200" rtl="0" eaLnBrk="1" latinLnBrk="0" hangingPunct="1">
       <a:defRPr sz="1800" kern="1200">
         <a:solidFill>
           <a:schemeClr val="tx1"/>
@@ -34,7 +33,7 @@
         <a:cs typeface="+mn-cs"/>
       </a:defRPr>
     </a:lvl2pPr>
-    <a:lvl3pPr marL="914400" algn="l" defTabSz="914400" rtl="0" eaLnBrk="1" latinLnBrk="0" hangingPunct="1">
+    <a:lvl3pPr marL="914400" algn="l" defTabSz="457200" rtl="0" eaLnBrk="1" latinLnBrk="0" hangingPunct="1">
       <a:defRPr sz="1800" kern="1200">
         <a:solidFill>
           <a:schemeClr val="tx1"/>
@@ -44,7 +43,7 @@
         <a:cs typeface="+mn-cs"/>
       </a:defRPr>
     </a:lvl3pPr>
-    <a:lvl4pPr marL="1371600" algn="l" defTabSz="914400" rtl="0" eaLnBrk="1" latinLnBrk="0" hangingPunct="1">
+    <a:lvl4pPr marL="1371600" algn="l" defTabSz="457200" rtl="0" eaLnBrk="1" latinLnBrk="0" hangingPunct="1">
       <a:defRPr sz="1800" kern="1200">
         <a:solidFill>
           <a:schemeClr val="tx1"/>
@@ -54,7 +53,7 @@
         <a:cs typeface="+mn-cs"/>
       </a:defRPr>
     </a:lvl4pPr>
-    <a:lvl5pPr marL="1828800" algn="l" defTabSz="914400" rtl="0" eaLnBrk="1" latinLnBrk="0" hangingPunct="1">
+    <a:lvl5pPr marL="1828800" algn="l" defTabSz="457200" rtl="0" eaLnBrk="1" latinLnBrk="0" hangingPunct="1">
       <a:defRPr sz="1800" kern="1200">
         <a:solidFill>
           <a:schemeClr val="tx1"/>
@@ -64,7 +63,7 @@
         <a:cs typeface="+mn-cs"/>
       </a:defRPr>
     </a:lvl5pPr>
-    <a:lvl6pPr marL="2286000" algn="l" defTabSz="914400" rtl="0" eaLnBrk="1" latinLnBrk="0" hangingPunct="1">
+    <a:lvl6pPr marL="2286000" algn="l" defTabSz="457200" rtl="0" eaLnBrk="1" latinLnBrk="0" hangingPunct="1">
       <a:defRPr sz="1800" kern="1200">
         <a:solidFill>
           <a:schemeClr val="tx1"/>
@@ -74,7 +73,7 @@
         <a:cs typeface="+mn-cs"/>
       </a:defRPr>
     </a:lvl6pPr>
-    <a:lvl7pPr marL="2743200" algn="l" defTabSz="914400" rtl="0" eaLnBrk="1" latinLnBrk="0" hangingPunct="1">
+    <a:lvl7pPr marL="2743200" algn="l" defTabSz="457200" rtl="0" eaLnBrk="1" latinLnBrk="0" hangingPunct="1">
       <a:defRPr sz="1800" kern="1200">
         <a:solidFill>
           <a:schemeClr val="tx1"/>
@@ -84,7 +83,7 @@
         <a:cs typeface="+mn-cs"/>
       </a:defRPr>
     </a:lvl7pPr>
-    <a:lvl8pPr marL="3200400" algn="l" defTabSz="914400" rtl="0" eaLnBrk="1" latinLnBrk="0" hangingPunct="1">
+    <a:lvl8pPr marL="3200400" algn="l" defTabSz="457200" rtl="0" eaLnBrk="1" latinLnBrk="0" hangingPunct="1">
       <a:defRPr sz="1800" kern="1200">
         <a:solidFill>
           <a:schemeClr val="tx1"/>
@@ -94,7 +93,7 @@
         <a:cs typeface="+mn-cs"/>
       </a:defRPr>
     </a:lvl8pPr>
-    <a:lvl9pPr marL="3657600" algn="l" defTabSz="914400" rtl="0" eaLnBrk="1" latinLnBrk="0" hangingPunct="1">
+    <a:lvl9pPr marL="3657600" algn="l" defTabSz="457200" rtl="0" eaLnBrk="1" latinLnBrk="0" hangingPunct="1">
       <a:defRPr sz="1800" kern="1200">
         <a:solidFill>
           <a:schemeClr val="tx1"/>
@@ -132,13 +131,7 @@
       </p:grpSpPr>
       <p:sp>
         <p:nvSpPr>
-          <p:cNvPr id="2" name="Title 1">
-            <a:extLst>
-              <a:ext uri="{FF2B5EF4-FFF2-40B4-BE49-F238E27FC236}">
-                <a16:creationId xmlns:a16="http://schemas.microsoft.com/office/drawing/2014/main" id="{9195A01E-6C38-4734-A3F1-8E7886B08C84}"/>
-              </a:ext>
-            </a:extLst>
-          </p:cNvPr>
+          <p:cNvPr id="2" name="Title 1"/>
           <p:cNvSpPr>
             <a:spLocks noGrp="1"/>
           </p:cNvSpPr>
@@ -148,15 +141,15 @@
         </p:nvSpPr>
         <p:spPr>
           <a:xfrm>
-            <a:off x="1524000" y="1122363"/>
-            <a:ext cx="9144000" cy="2387600"/>
+            <a:off x="3017520" y="4788749"/>
+            <a:ext cx="34198560" cy="10187093"/>
           </a:xfrm>
         </p:spPr>
         <p:txBody>
           <a:bodyPr anchor="b"/>
           <a:lstStyle>
             <a:lvl1pPr algn="ctr">
-              <a:defRPr sz="6000"/>
+              <a:defRPr sz="25600"/>
             </a:lvl1pPr>
           </a:lstStyle>
           <a:p>
@@ -164,18 +157,13 @@
               <a:rPr lang="en-US"/>
               <a:t>Click to edit Master title style</a:t>
             </a:r>
-          </a:p>
-        </p:txBody>
-      </p:sp>
-      <p:sp>
-        <p:nvSpPr>
-          <p:cNvPr id="3" name="Subtitle 2">
-            <a:extLst>
-              <a:ext uri="{FF2B5EF4-FFF2-40B4-BE49-F238E27FC236}">
-                <a16:creationId xmlns:a16="http://schemas.microsoft.com/office/drawing/2014/main" id="{D3C2ECAA-0D95-4EEF-BCEC-942D3DE96D97}"/>
-              </a:ext>
-            </a:extLst>
-          </p:cNvPr>
+            <a:endParaRPr lang="en-US" dirty="0"/>
+          </a:p>
+        </p:txBody>
+      </p:sp>
+      <p:sp>
+        <p:nvSpPr>
+          <p:cNvPr id="3" name="Subtitle 2"/>
           <p:cNvSpPr>
             <a:spLocks noGrp="1"/>
           </p:cNvSpPr>
@@ -185,8 +173,8 @@
         </p:nvSpPr>
         <p:spPr>
           <a:xfrm>
-            <a:off x="1524000" y="3602038"/>
-            <a:ext cx="9144000" cy="1655762"/>
+            <a:off x="5029200" y="15368695"/>
+            <a:ext cx="30175200" cy="7064585"/>
           </a:xfrm>
         </p:spPr>
         <p:txBody>
@@ -194,39 +182,39 @@
           <a:lstStyle>
             <a:lvl1pPr marL="0" indent="0" algn="ctr">
               <a:buNone/>
-              <a:defRPr sz="2400"/>
+              <a:defRPr sz="10240"/>
             </a:lvl1pPr>
-            <a:lvl2pPr marL="457200" indent="0" algn="ctr">
-              <a:buNone/>
-              <a:defRPr sz="2000"/>
+            <a:lvl2pPr marL="1950735" indent="0" algn="ctr">
+              <a:buNone/>
+              <a:defRPr sz="8533"/>
             </a:lvl2pPr>
-            <a:lvl3pPr marL="914400" indent="0" algn="ctr">
-              <a:buNone/>
-              <a:defRPr sz="1800"/>
+            <a:lvl3pPr marL="3901470" indent="0" algn="ctr">
+              <a:buNone/>
+              <a:defRPr sz="7680"/>
             </a:lvl3pPr>
-            <a:lvl4pPr marL="1371600" indent="0" algn="ctr">
-              <a:buNone/>
-              <a:defRPr sz="1600"/>
+            <a:lvl4pPr marL="5852206" indent="0" algn="ctr">
+              <a:buNone/>
+              <a:defRPr sz="6827"/>
             </a:lvl4pPr>
-            <a:lvl5pPr marL="1828800" indent="0" algn="ctr">
-              <a:buNone/>
-              <a:defRPr sz="1600"/>
+            <a:lvl5pPr marL="7802941" indent="0" algn="ctr">
+              <a:buNone/>
+              <a:defRPr sz="6827"/>
             </a:lvl5pPr>
-            <a:lvl6pPr marL="2286000" indent="0" algn="ctr">
-              <a:buNone/>
-              <a:defRPr sz="1600"/>
+            <a:lvl6pPr marL="9753676" indent="0" algn="ctr">
+              <a:buNone/>
+              <a:defRPr sz="6827"/>
             </a:lvl6pPr>
-            <a:lvl7pPr marL="2743200" indent="0" algn="ctr">
-              <a:buNone/>
-              <a:defRPr sz="1600"/>
+            <a:lvl7pPr marL="11704411" indent="0" algn="ctr">
+              <a:buNone/>
+              <a:defRPr sz="6827"/>
             </a:lvl7pPr>
-            <a:lvl8pPr marL="3200400" indent="0" algn="ctr">
-              <a:buNone/>
-              <a:defRPr sz="1600"/>
+            <a:lvl8pPr marL="13655147" indent="0" algn="ctr">
+              <a:buNone/>
+              <a:defRPr sz="6827"/>
             </a:lvl8pPr>
-            <a:lvl9pPr marL="3657600" indent="0" algn="ctr">
-              <a:buNone/>
-              <a:defRPr sz="1600"/>
+            <a:lvl9pPr marL="15605882" indent="0" algn="ctr">
+              <a:buNone/>
+              <a:defRPr sz="6827"/>
             </a:lvl9pPr>
           </a:lstStyle>
           <a:p>
@@ -234,18 +222,13 @@
               <a:rPr lang="en-US"/>
               <a:t>Click to edit Master subtitle style</a:t>
             </a:r>
-          </a:p>
-        </p:txBody>
-      </p:sp>
-      <p:sp>
-        <p:nvSpPr>
-          <p:cNvPr id="4" name="Date Placeholder 3">
-            <a:extLst>
-              <a:ext uri="{FF2B5EF4-FFF2-40B4-BE49-F238E27FC236}">
-                <a16:creationId xmlns:a16="http://schemas.microsoft.com/office/drawing/2014/main" id="{02D306CA-7623-4881-BAD3-DED17DC871A0}"/>
-              </a:ext>
-            </a:extLst>
-          </p:cNvPr>
+            <a:endParaRPr lang="en-US" dirty="0"/>
+          </a:p>
+        </p:txBody>
+      </p:sp>
+      <p:sp>
+        <p:nvSpPr>
+          <p:cNvPr id="4" name="Date Placeholder 3"/>
           <p:cNvSpPr>
             <a:spLocks noGrp="1"/>
           </p:cNvSpPr>
@@ -260,7 +243,7 @@
           <a:p>
             <a:fld id="{17B15591-64E1-4620-A2EF-1876399A9EDC}" type="datetimeFigureOut">
               <a:rPr lang="en-US" smtClean="0"/>
-              <a:t>3/14/2019</a:t>
+              <a:t>4/1/2019</a:t>
             </a:fld>
             <a:endParaRPr lang="en-US"/>
           </a:p>
@@ -268,13 +251,7 @@
       </p:sp>
       <p:sp>
         <p:nvSpPr>
-          <p:cNvPr id="5" name="Footer Placeholder 4">
-            <a:extLst>
-              <a:ext uri="{FF2B5EF4-FFF2-40B4-BE49-F238E27FC236}">
-                <a16:creationId xmlns:a16="http://schemas.microsoft.com/office/drawing/2014/main" id="{E3C90DB3-39D3-426F-9479-543E3CB6126D}"/>
-              </a:ext>
-            </a:extLst>
-          </p:cNvPr>
+          <p:cNvPr id="5" name="Footer Placeholder 4"/>
           <p:cNvSpPr>
             <a:spLocks noGrp="1"/>
           </p:cNvSpPr>
@@ -293,13 +270,7 @@
       </p:sp>
       <p:sp>
         <p:nvSpPr>
-          <p:cNvPr id="6" name="Slide Number Placeholder 5">
-            <a:extLst>
-              <a:ext uri="{FF2B5EF4-FFF2-40B4-BE49-F238E27FC236}">
-                <a16:creationId xmlns:a16="http://schemas.microsoft.com/office/drawing/2014/main" id="{758ED8FA-BD1F-4C5F-83E7-C387C5E306C0}"/>
-              </a:ext>
-            </a:extLst>
-          </p:cNvPr>
+          <p:cNvPr id="6" name="Slide Number Placeholder 5"/>
           <p:cNvSpPr>
             <a:spLocks noGrp="1"/>
           </p:cNvSpPr>
@@ -323,7 +294,7 @@
     </p:spTree>
     <p:extLst>
       <p:ext uri="{BB962C8B-B14F-4D97-AF65-F5344CB8AC3E}">
-        <p14:creationId xmlns:p14="http://schemas.microsoft.com/office/powerpoint/2010/main" val="3869360719"/>
+        <p14:creationId xmlns:p14="http://schemas.microsoft.com/office/powerpoint/2010/main" val="1005224314"/>
       </p:ext>
     </p:extLst>
   </p:cSld>
@@ -352,13 +323,7 @@
       </p:grpSpPr>
       <p:sp>
         <p:nvSpPr>
-          <p:cNvPr id="2" name="Title 1">
-            <a:extLst>
-              <a:ext uri="{FF2B5EF4-FFF2-40B4-BE49-F238E27FC236}">
-                <a16:creationId xmlns:a16="http://schemas.microsoft.com/office/drawing/2014/main" id="{C1F7B0EA-E937-4EC8-96F8-CC7748744A04}"/>
-              </a:ext>
-            </a:extLst>
-          </p:cNvPr>
+          <p:cNvPr id="2" name="Title 1"/>
           <p:cNvSpPr>
             <a:spLocks noGrp="1"/>
           </p:cNvSpPr>
@@ -375,18 +340,13 @@
               <a:rPr lang="en-US"/>
               <a:t>Click to edit Master title style</a:t>
             </a:r>
-          </a:p>
-        </p:txBody>
-      </p:sp>
-      <p:sp>
-        <p:nvSpPr>
-          <p:cNvPr id="3" name="Vertical Text Placeholder 2">
-            <a:extLst>
-              <a:ext uri="{FF2B5EF4-FFF2-40B4-BE49-F238E27FC236}">
-                <a16:creationId xmlns:a16="http://schemas.microsoft.com/office/drawing/2014/main" id="{1C95D405-29E9-47F7-BE60-9884E0F3E2B8}"/>
-              </a:ext>
-            </a:extLst>
-          </p:cNvPr>
+            <a:endParaRPr lang="en-US" dirty="0"/>
+          </a:p>
+        </p:txBody>
+      </p:sp>
+      <p:sp>
+        <p:nvSpPr>
+          <p:cNvPr id="3" name="Vertical Text Placeholder 2"/>
           <p:cNvSpPr>
             <a:spLocks noGrp="1"/>
           </p:cNvSpPr>
@@ -432,18 +392,13 @@
               <a:rPr lang="en-US"/>
               <a:t>Fifth level</a:t>
             </a:r>
-          </a:p>
-        </p:txBody>
-      </p:sp>
-      <p:sp>
-        <p:nvSpPr>
-          <p:cNvPr id="4" name="Date Placeholder 3">
-            <a:extLst>
-              <a:ext uri="{FF2B5EF4-FFF2-40B4-BE49-F238E27FC236}">
-                <a16:creationId xmlns:a16="http://schemas.microsoft.com/office/drawing/2014/main" id="{F2B0D1C1-C20E-4C3F-812D-EABBA12E8E58}"/>
-              </a:ext>
-            </a:extLst>
-          </p:cNvPr>
+            <a:endParaRPr lang="en-US" dirty="0"/>
+          </a:p>
+        </p:txBody>
+      </p:sp>
+      <p:sp>
+        <p:nvSpPr>
+          <p:cNvPr id="4" name="Date Placeholder 3"/>
           <p:cNvSpPr>
             <a:spLocks noGrp="1"/>
           </p:cNvSpPr>
@@ -458,7 +413,7 @@
           <a:p>
             <a:fld id="{17B15591-64E1-4620-A2EF-1876399A9EDC}" type="datetimeFigureOut">
               <a:rPr lang="en-US" smtClean="0"/>
-              <a:t>3/14/2019</a:t>
+              <a:t>4/1/2019</a:t>
             </a:fld>
             <a:endParaRPr lang="en-US"/>
           </a:p>
@@ -466,13 +421,7 @@
       </p:sp>
       <p:sp>
         <p:nvSpPr>
-          <p:cNvPr id="5" name="Footer Placeholder 4">
-            <a:extLst>
-              <a:ext uri="{FF2B5EF4-FFF2-40B4-BE49-F238E27FC236}">
-                <a16:creationId xmlns:a16="http://schemas.microsoft.com/office/drawing/2014/main" id="{983908EA-6ADD-4077-BAD9-0F6AFBC5301F}"/>
-              </a:ext>
-            </a:extLst>
-          </p:cNvPr>
+          <p:cNvPr id="5" name="Footer Placeholder 4"/>
           <p:cNvSpPr>
             <a:spLocks noGrp="1"/>
           </p:cNvSpPr>
@@ -491,13 +440,7 @@
       </p:sp>
       <p:sp>
         <p:nvSpPr>
-          <p:cNvPr id="6" name="Slide Number Placeholder 5">
-            <a:extLst>
-              <a:ext uri="{FF2B5EF4-FFF2-40B4-BE49-F238E27FC236}">
-                <a16:creationId xmlns:a16="http://schemas.microsoft.com/office/drawing/2014/main" id="{2DB3D2EF-4E08-4711-A258-312E2C2D4A08}"/>
-              </a:ext>
-            </a:extLst>
-          </p:cNvPr>
+          <p:cNvPr id="6" name="Slide Number Placeholder 5"/>
           <p:cNvSpPr>
             <a:spLocks noGrp="1"/>
           </p:cNvSpPr>
@@ -521,7 +464,7 @@
     </p:spTree>
     <p:extLst>
       <p:ext uri="{BB962C8B-B14F-4D97-AF65-F5344CB8AC3E}">
-        <p14:creationId xmlns:p14="http://schemas.microsoft.com/office/powerpoint/2010/main" val="634503231"/>
+        <p14:creationId xmlns:p14="http://schemas.microsoft.com/office/powerpoint/2010/main" val="3361783607"/>
       </p:ext>
     </p:extLst>
   </p:cSld>
@@ -550,13 +493,7 @@
       </p:grpSpPr>
       <p:sp>
         <p:nvSpPr>
-          <p:cNvPr id="2" name="Vertical Title 1">
-            <a:extLst>
-              <a:ext uri="{FF2B5EF4-FFF2-40B4-BE49-F238E27FC236}">
-                <a16:creationId xmlns:a16="http://schemas.microsoft.com/office/drawing/2014/main" id="{79817759-FAD7-4FAB-8DA7-4B2636DD6E23}"/>
-              </a:ext>
-            </a:extLst>
-          </p:cNvPr>
+          <p:cNvPr id="2" name="Vertical Title 1"/>
           <p:cNvSpPr>
             <a:spLocks noGrp="1"/>
           </p:cNvSpPr>
@@ -566,8 +503,8 @@
         </p:nvSpPr>
         <p:spPr>
           <a:xfrm>
-            <a:off x="8724900" y="365125"/>
-            <a:ext cx="2628900" cy="5811838"/>
+            <a:off x="28792172" y="1557867"/>
+            <a:ext cx="8675370" cy="24797175"/>
           </a:xfrm>
         </p:spPr>
         <p:txBody>
@@ -578,18 +515,13 @@
               <a:rPr lang="en-US"/>
               <a:t>Click to edit Master title style</a:t>
             </a:r>
-          </a:p>
-        </p:txBody>
-      </p:sp>
-      <p:sp>
-        <p:nvSpPr>
-          <p:cNvPr id="3" name="Vertical Text Placeholder 2">
-            <a:extLst>
-              <a:ext uri="{FF2B5EF4-FFF2-40B4-BE49-F238E27FC236}">
-                <a16:creationId xmlns:a16="http://schemas.microsoft.com/office/drawing/2014/main" id="{9D8C8CEA-B4F3-4A08-B253-6768A9DD4D73}"/>
-              </a:ext>
-            </a:extLst>
-          </p:cNvPr>
+            <a:endParaRPr lang="en-US" dirty="0"/>
+          </a:p>
+        </p:txBody>
+      </p:sp>
+      <p:sp>
+        <p:nvSpPr>
+          <p:cNvPr id="3" name="Vertical Text Placeholder 2"/>
           <p:cNvSpPr>
             <a:spLocks noGrp="1"/>
           </p:cNvSpPr>
@@ -599,8 +531,8 @@
         </p:nvSpPr>
         <p:spPr>
           <a:xfrm>
-            <a:off x="838200" y="365125"/>
-            <a:ext cx="7734300" cy="5811838"/>
+            <a:off x="2766062" y="1557867"/>
+            <a:ext cx="25523190" cy="24797175"/>
           </a:xfrm>
         </p:spPr>
         <p:txBody>
@@ -640,18 +572,13 @@
               <a:rPr lang="en-US"/>
               <a:t>Fifth level</a:t>
             </a:r>
-          </a:p>
-        </p:txBody>
-      </p:sp>
-      <p:sp>
-        <p:nvSpPr>
-          <p:cNvPr id="4" name="Date Placeholder 3">
-            <a:extLst>
-              <a:ext uri="{FF2B5EF4-FFF2-40B4-BE49-F238E27FC236}">
-                <a16:creationId xmlns:a16="http://schemas.microsoft.com/office/drawing/2014/main" id="{13E70454-6866-4213-BCF3-30B72F588887}"/>
-              </a:ext>
-            </a:extLst>
-          </p:cNvPr>
+            <a:endParaRPr lang="en-US" dirty="0"/>
+          </a:p>
+        </p:txBody>
+      </p:sp>
+      <p:sp>
+        <p:nvSpPr>
+          <p:cNvPr id="4" name="Date Placeholder 3"/>
           <p:cNvSpPr>
             <a:spLocks noGrp="1"/>
           </p:cNvSpPr>
@@ -666,7 +593,7 @@
           <a:p>
             <a:fld id="{17B15591-64E1-4620-A2EF-1876399A9EDC}" type="datetimeFigureOut">
               <a:rPr lang="en-US" smtClean="0"/>
-              <a:t>3/14/2019</a:t>
+              <a:t>4/1/2019</a:t>
             </a:fld>
             <a:endParaRPr lang="en-US"/>
           </a:p>
@@ -674,13 +601,7 @@
       </p:sp>
       <p:sp>
         <p:nvSpPr>
-          <p:cNvPr id="5" name="Footer Placeholder 4">
-            <a:extLst>
-              <a:ext uri="{FF2B5EF4-FFF2-40B4-BE49-F238E27FC236}">
-                <a16:creationId xmlns:a16="http://schemas.microsoft.com/office/drawing/2014/main" id="{64F11054-C4DC-4791-B454-F52C9BF08854}"/>
-              </a:ext>
-            </a:extLst>
-          </p:cNvPr>
+          <p:cNvPr id="5" name="Footer Placeholder 4"/>
           <p:cNvSpPr>
             <a:spLocks noGrp="1"/>
           </p:cNvSpPr>
@@ -699,13 +620,7 @@
       </p:sp>
       <p:sp>
         <p:nvSpPr>
-          <p:cNvPr id="6" name="Slide Number Placeholder 5">
-            <a:extLst>
-              <a:ext uri="{FF2B5EF4-FFF2-40B4-BE49-F238E27FC236}">
-                <a16:creationId xmlns:a16="http://schemas.microsoft.com/office/drawing/2014/main" id="{5209F2A5-20AE-4047-ADEB-25188BDC8B81}"/>
-              </a:ext>
-            </a:extLst>
-          </p:cNvPr>
+          <p:cNvPr id="6" name="Slide Number Placeholder 5"/>
           <p:cNvSpPr>
             <a:spLocks noGrp="1"/>
           </p:cNvSpPr>
@@ -729,7 +644,7 @@
     </p:spTree>
     <p:extLst>
       <p:ext uri="{BB962C8B-B14F-4D97-AF65-F5344CB8AC3E}">
-        <p14:creationId xmlns:p14="http://schemas.microsoft.com/office/powerpoint/2010/main" val="878656731"/>
+        <p14:creationId xmlns:p14="http://schemas.microsoft.com/office/powerpoint/2010/main" val="2319177418"/>
       </p:ext>
     </p:extLst>
   </p:cSld>
@@ -758,13 +673,7 @@
       </p:grpSpPr>
       <p:sp>
         <p:nvSpPr>
-          <p:cNvPr id="2" name="Title 1">
-            <a:extLst>
-              <a:ext uri="{FF2B5EF4-FFF2-40B4-BE49-F238E27FC236}">
-                <a16:creationId xmlns:a16="http://schemas.microsoft.com/office/drawing/2014/main" id="{E14C3FBB-23F5-458D-B0E4-C3FECBACF2D0}"/>
-              </a:ext>
-            </a:extLst>
-          </p:cNvPr>
+          <p:cNvPr id="2" name="Title 1"/>
           <p:cNvSpPr>
             <a:spLocks noGrp="1"/>
           </p:cNvSpPr>
@@ -781,18 +690,13 @@
               <a:rPr lang="en-US"/>
               <a:t>Click to edit Master title style</a:t>
             </a:r>
-          </a:p>
-        </p:txBody>
-      </p:sp>
-      <p:sp>
-        <p:nvSpPr>
-          <p:cNvPr id="3" name="Content Placeholder 2">
-            <a:extLst>
-              <a:ext uri="{FF2B5EF4-FFF2-40B4-BE49-F238E27FC236}">
-                <a16:creationId xmlns:a16="http://schemas.microsoft.com/office/drawing/2014/main" id="{B50ACA79-0455-487D-A2E9-9CC52A43F5B4}"/>
-              </a:ext>
-            </a:extLst>
-          </p:cNvPr>
+            <a:endParaRPr lang="en-US" dirty="0"/>
+          </a:p>
+        </p:txBody>
+      </p:sp>
+      <p:sp>
+        <p:nvSpPr>
+          <p:cNvPr id="3" name="Content Placeholder 2"/>
           <p:cNvSpPr>
             <a:spLocks noGrp="1"/>
           </p:cNvSpPr>
@@ -838,18 +742,13 @@
               <a:rPr lang="en-US"/>
               <a:t>Fifth level</a:t>
             </a:r>
-          </a:p>
-        </p:txBody>
-      </p:sp>
-      <p:sp>
-        <p:nvSpPr>
-          <p:cNvPr id="4" name="Date Placeholder 3">
-            <a:extLst>
-              <a:ext uri="{FF2B5EF4-FFF2-40B4-BE49-F238E27FC236}">
-                <a16:creationId xmlns:a16="http://schemas.microsoft.com/office/drawing/2014/main" id="{6E61D175-470E-4AAC-9656-6392389D395A}"/>
-              </a:ext>
-            </a:extLst>
-          </p:cNvPr>
+            <a:endParaRPr lang="en-US" dirty="0"/>
+          </a:p>
+        </p:txBody>
+      </p:sp>
+      <p:sp>
+        <p:nvSpPr>
+          <p:cNvPr id="4" name="Date Placeholder 3"/>
           <p:cNvSpPr>
             <a:spLocks noGrp="1"/>
           </p:cNvSpPr>
@@ -864,7 +763,7 @@
           <a:p>
             <a:fld id="{17B15591-64E1-4620-A2EF-1876399A9EDC}" type="datetimeFigureOut">
               <a:rPr lang="en-US" smtClean="0"/>
-              <a:t>3/14/2019</a:t>
+              <a:t>4/1/2019</a:t>
             </a:fld>
             <a:endParaRPr lang="en-US"/>
           </a:p>
@@ -872,13 +771,7 @@
       </p:sp>
       <p:sp>
         <p:nvSpPr>
-          <p:cNvPr id="5" name="Footer Placeholder 4">
-            <a:extLst>
-              <a:ext uri="{FF2B5EF4-FFF2-40B4-BE49-F238E27FC236}">
-                <a16:creationId xmlns:a16="http://schemas.microsoft.com/office/drawing/2014/main" id="{D44AB25B-92A8-490D-9944-5EDAECF36CAB}"/>
-              </a:ext>
-            </a:extLst>
-          </p:cNvPr>
+          <p:cNvPr id="5" name="Footer Placeholder 4"/>
           <p:cNvSpPr>
             <a:spLocks noGrp="1"/>
           </p:cNvSpPr>
@@ -897,13 +790,7 @@
       </p:sp>
       <p:sp>
         <p:nvSpPr>
-          <p:cNvPr id="6" name="Slide Number Placeholder 5">
-            <a:extLst>
-              <a:ext uri="{FF2B5EF4-FFF2-40B4-BE49-F238E27FC236}">
-                <a16:creationId xmlns:a16="http://schemas.microsoft.com/office/drawing/2014/main" id="{71DAB9B5-E3C6-4678-B8E8-3E3FE0DFF225}"/>
-              </a:ext>
-            </a:extLst>
-          </p:cNvPr>
+          <p:cNvPr id="6" name="Slide Number Placeholder 5"/>
           <p:cNvSpPr>
             <a:spLocks noGrp="1"/>
           </p:cNvSpPr>
@@ -927,7 +814,7 @@
     </p:spTree>
     <p:extLst>
       <p:ext uri="{BB962C8B-B14F-4D97-AF65-F5344CB8AC3E}">
-        <p14:creationId xmlns:p14="http://schemas.microsoft.com/office/powerpoint/2010/main" val="2384880377"/>
+        <p14:creationId xmlns:p14="http://schemas.microsoft.com/office/powerpoint/2010/main" val="2133578203"/>
       </p:ext>
     </p:extLst>
   </p:cSld>
@@ -956,13 +843,7 @@
       </p:grpSpPr>
       <p:sp>
         <p:nvSpPr>
-          <p:cNvPr id="2" name="Title 1">
-            <a:extLst>
-              <a:ext uri="{FF2B5EF4-FFF2-40B4-BE49-F238E27FC236}">
-                <a16:creationId xmlns:a16="http://schemas.microsoft.com/office/drawing/2014/main" id="{0409BD9A-94B8-4A1C-867A-49F6ECDB5188}"/>
-              </a:ext>
-            </a:extLst>
-          </p:cNvPr>
+          <p:cNvPr id="2" name="Title 1"/>
           <p:cNvSpPr>
             <a:spLocks noGrp="1"/>
           </p:cNvSpPr>
@@ -972,15 +853,15 @@
         </p:nvSpPr>
         <p:spPr>
           <a:xfrm>
-            <a:off x="831850" y="1709738"/>
-            <a:ext cx="10515600" cy="2852737"/>
+            <a:off x="2745107" y="7294888"/>
+            <a:ext cx="34701480" cy="12171678"/>
           </a:xfrm>
         </p:spPr>
         <p:txBody>
           <a:bodyPr anchor="b"/>
           <a:lstStyle>
             <a:lvl1pPr>
-              <a:defRPr sz="6000"/>
+              <a:defRPr sz="25600"/>
             </a:lvl1pPr>
           </a:lstStyle>
           <a:p>
@@ -988,18 +869,13 @@
               <a:rPr lang="en-US"/>
               <a:t>Click to edit Master title style</a:t>
             </a:r>
-          </a:p>
-        </p:txBody>
-      </p:sp>
-      <p:sp>
-        <p:nvSpPr>
-          <p:cNvPr id="3" name="Text Placeholder 2">
-            <a:extLst>
-              <a:ext uri="{FF2B5EF4-FFF2-40B4-BE49-F238E27FC236}">
-                <a16:creationId xmlns:a16="http://schemas.microsoft.com/office/drawing/2014/main" id="{E0AA6358-B05A-4D9C-A06C-F9A5AB7F4477}"/>
-              </a:ext>
-            </a:extLst>
-          </p:cNvPr>
+            <a:endParaRPr lang="en-US" dirty="0"/>
+          </a:p>
+        </p:txBody>
+      </p:sp>
+      <p:sp>
+        <p:nvSpPr>
+          <p:cNvPr id="3" name="Text Placeholder 2"/>
           <p:cNvSpPr>
             <a:spLocks noGrp="1"/>
           </p:cNvSpPr>
@@ -1009,8 +885,8 @@
         </p:nvSpPr>
         <p:spPr>
           <a:xfrm>
-            <a:off x="831850" y="4589463"/>
-            <a:ext cx="10515600" cy="1500187"/>
+            <a:off x="2745107" y="19581715"/>
+            <a:ext cx="34701480" cy="6400798"/>
           </a:xfrm>
         </p:spPr>
         <p:txBody>
@@ -1018,17 +894,15 @@
           <a:lstStyle>
             <a:lvl1pPr marL="0" indent="0">
               <a:buNone/>
-              <a:defRPr sz="2400">
+              <a:defRPr sz="10240">
                 <a:solidFill>
-                  <a:schemeClr val="tx1">
-                    <a:tint val="75000"/>
-                  </a:schemeClr>
+                  <a:schemeClr val="tx1"/>
                 </a:solidFill>
               </a:defRPr>
             </a:lvl1pPr>
-            <a:lvl2pPr marL="457200" indent="0">
-              <a:buNone/>
-              <a:defRPr sz="2000">
+            <a:lvl2pPr marL="1950735" indent="0">
+              <a:buNone/>
+              <a:defRPr sz="8533">
                 <a:solidFill>
                   <a:schemeClr val="tx1">
                     <a:tint val="75000"/>
@@ -1036,9 +910,9 @@
                 </a:solidFill>
               </a:defRPr>
             </a:lvl2pPr>
-            <a:lvl3pPr marL="914400" indent="0">
-              <a:buNone/>
-              <a:defRPr sz="1800">
+            <a:lvl3pPr marL="3901470" indent="0">
+              <a:buNone/>
+              <a:defRPr sz="7680">
                 <a:solidFill>
                   <a:schemeClr val="tx1">
                     <a:tint val="75000"/>
@@ -1046,9 +920,9 @@
                 </a:solidFill>
               </a:defRPr>
             </a:lvl3pPr>
-            <a:lvl4pPr marL="1371600" indent="0">
-              <a:buNone/>
-              <a:defRPr sz="1600">
+            <a:lvl4pPr marL="5852206" indent="0">
+              <a:buNone/>
+              <a:defRPr sz="6827">
                 <a:solidFill>
                   <a:schemeClr val="tx1">
                     <a:tint val="75000"/>
@@ -1056,9 +930,9 @@
                 </a:solidFill>
               </a:defRPr>
             </a:lvl4pPr>
-            <a:lvl5pPr marL="1828800" indent="0">
-              <a:buNone/>
-              <a:defRPr sz="1600">
+            <a:lvl5pPr marL="7802941" indent="0">
+              <a:buNone/>
+              <a:defRPr sz="6827">
                 <a:solidFill>
                   <a:schemeClr val="tx1">
                     <a:tint val="75000"/>
@@ -1066,9 +940,9 @@
                 </a:solidFill>
               </a:defRPr>
             </a:lvl5pPr>
-            <a:lvl6pPr marL="2286000" indent="0">
-              <a:buNone/>
-              <a:defRPr sz="1600">
+            <a:lvl6pPr marL="9753676" indent="0">
+              <a:buNone/>
+              <a:defRPr sz="6827">
                 <a:solidFill>
                   <a:schemeClr val="tx1">
                     <a:tint val="75000"/>
@@ -1076,9 +950,9 @@
                 </a:solidFill>
               </a:defRPr>
             </a:lvl6pPr>
-            <a:lvl7pPr marL="2743200" indent="0">
-              <a:buNone/>
-              <a:defRPr sz="1600">
+            <a:lvl7pPr marL="11704411" indent="0">
+              <a:buNone/>
+              <a:defRPr sz="6827">
                 <a:solidFill>
                   <a:schemeClr val="tx1">
                     <a:tint val="75000"/>
@@ -1086,9 +960,9 @@
                 </a:solidFill>
               </a:defRPr>
             </a:lvl7pPr>
-            <a:lvl8pPr marL="3200400" indent="0">
-              <a:buNone/>
-              <a:defRPr sz="1600">
+            <a:lvl8pPr marL="13655147" indent="0">
+              <a:buNone/>
+              <a:defRPr sz="6827">
                 <a:solidFill>
                   <a:schemeClr val="tx1">
                     <a:tint val="75000"/>
@@ -1096,9 +970,9 @@
                 </a:solidFill>
               </a:defRPr>
             </a:lvl8pPr>
-            <a:lvl9pPr marL="3657600" indent="0">
-              <a:buNone/>
-              <a:defRPr sz="1600">
+            <a:lvl9pPr marL="15605882" indent="0">
+              <a:buNone/>
+              <a:defRPr sz="6827">
                 <a:solidFill>
                   <a:schemeClr val="tx1">
                     <a:tint val="75000"/>
@@ -1118,13 +992,7 @@
       </p:sp>
       <p:sp>
         <p:nvSpPr>
-          <p:cNvPr id="4" name="Date Placeholder 3">
-            <a:extLst>
-              <a:ext uri="{FF2B5EF4-FFF2-40B4-BE49-F238E27FC236}">
-                <a16:creationId xmlns:a16="http://schemas.microsoft.com/office/drawing/2014/main" id="{A3093F43-2CD3-45C4-84B7-53236AC6D712}"/>
-              </a:ext>
-            </a:extLst>
-          </p:cNvPr>
+          <p:cNvPr id="4" name="Date Placeholder 3"/>
           <p:cNvSpPr>
             <a:spLocks noGrp="1"/>
           </p:cNvSpPr>
@@ -1139,7 +1007,7 @@
           <a:p>
             <a:fld id="{17B15591-64E1-4620-A2EF-1876399A9EDC}" type="datetimeFigureOut">
               <a:rPr lang="en-US" smtClean="0"/>
-              <a:t>3/14/2019</a:t>
+              <a:t>4/1/2019</a:t>
             </a:fld>
             <a:endParaRPr lang="en-US"/>
           </a:p>
@@ -1147,13 +1015,7 @@
       </p:sp>
       <p:sp>
         <p:nvSpPr>
-          <p:cNvPr id="5" name="Footer Placeholder 4">
-            <a:extLst>
-              <a:ext uri="{FF2B5EF4-FFF2-40B4-BE49-F238E27FC236}">
-                <a16:creationId xmlns:a16="http://schemas.microsoft.com/office/drawing/2014/main" id="{4522E10D-1BF7-4D4F-A1D5-51E5F5E4765C}"/>
-              </a:ext>
-            </a:extLst>
-          </p:cNvPr>
+          <p:cNvPr id="5" name="Footer Placeholder 4"/>
           <p:cNvSpPr>
             <a:spLocks noGrp="1"/>
           </p:cNvSpPr>
@@ -1172,13 +1034,7 @@
       </p:sp>
       <p:sp>
         <p:nvSpPr>
-          <p:cNvPr id="6" name="Slide Number Placeholder 5">
-            <a:extLst>
-              <a:ext uri="{FF2B5EF4-FFF2-40B4-BE49-F238E27FC236}">
-                <a16:creationId xmlns:a16="http://schemas.microsoft.com/office/drawing/2014/main" id="{7B5F22F5-C362-476B-98E3-9DF69ED02F03}"/>
-              </a:ext>
-            </a:extLst>
-          </p:cNvPr>
+          <p:cNvPr id="6" name="Slide Number Placeholder 5"/>
           <p:cNvSpPr>
             <a:spLocks noGrp="1"/>
           </p:cNvSpPr>
@@ -1202,7 +1058,7 @@
     </p:spTree>
     <p:extLst>
       <p:ext uri="{BB962C8B-B14F-4D97-AF65-F5344CB8AC3E}">
-        <p14:creationId xmlns:p14="http://schemas.microsoft.com/office/powerpoint/2010/main" val="3036075590"/>
+        <p14:creationId xmlns:p14="http://schemas.microsoft.com/office/powerpoint/2010/main" val="296508383"/>
       </p:ext>
     </p:extLst>
   </p:cSld>
@@ -1231,13 +1087,7 @@
       </p:grpSpPr>
       <p:sp>
         <p:nvSpPr>
-          <p:cNvPr id="2" name="Title 1">
-            <a:extLst>
-              <a:ext uri="{FF2B5EF4-FFF2-40B4-BE49-F238E27FC236}">
-                <a16:creationId xmlns:a16="http://schemas.microsoft.com/office/drawing/2014/main" id="{82E926D5-AC88-462F-9D13-B86AA650D3C9}"/>
-              </a:ext>
-            </a:extLst>
-          </p:cNvPr>
+          <p:cNvPr id="2" name="Title 1"/>
           <p:cNvSpPr>
             <a:spLocks noGrp="1"/>
           </p:cNvSpPr>
@@ -1254,18 +1104,13 @@
               <a:rPr lang="en-US"/>
               <a:t>Click to edit Master title style</a:t>
             </a:r>
-          </a:p>
-        </p:txBody>
-      </p:sp>
-      <p:sp>
-        <p:nvSpPr>
-          <p:cNvPr id="3" name="Content Placeholder 2">
-            <a:extLst>
-              <a:ext uri="{FF2B5EF4-FFF2-40B4-BE49-F238E27FC236}">
-                <a16:creationId xmlns:a16="http://schemas.microsoft.com/office/drawing/2014/main" id="{F11670DD-2D93-4BA2-83A4-6946E12660CE}"/>
-              </a:ext>
-            </a:extLst>
-          </p:cNvPr>
+            <a:endParaRPr lang="en-US" dirty="0"/>
+          </a:p>
+        </p:txBody>
+      </p:sp>
+      <p:sp>
+        <p:nvSpPr>
+          <p:cNvPr id="3" name="Content Placeholder 2"/>
           <p:cNvSpPr>
             <a:spLocks noGrp="1"/>
           </p:cNvSpPr>
@@ -1275,8 +1120,8 @@
         </p:nvSpPr>
         <p:spPr>
           <a:xfrm>
-            <a:off x="838200" y="1825625"/>
-            <a:ext cx="5181600" cy="4351338"/>
+            <a:off x="2766060" y="7789333"/>
+            <a:ext cx="17099280" cy="18565709"/>
           </a:xfrm>
         </p:spPr>
         <p:txBody>
@@ -1316,18 +1161,13 @@
               <a:rPr lang="en-US"/>
               <a:t>Fifth level</a:t>
             </a:r>
-          </a:p>
-        </p:txBody>
-      </p:sp>
-      <p:sp>
-        <p:nvSpPr>
-          <p:cNvPr id="4" name="Content Placeholder 3">
-            <a:extLst>
-              <a:ext uri="{FF2B5EF4-FFF2-40B4-BE49-F238E27FC236}">
-                <a16:creationId xmlns:a16="http://schemas.microsoft.com/office/drawing/2014/main" id="{B9BC3C7D-D837-4773-BAA4-57F7DCD78661}"/>
-              </a:ext>
-            </a:extLst>
-          </p:cNvPr>
+            <a:endParaRPr lang="en-US" dirty="0"/>
+          </a:p>
+        </p:txBody>
+      </p:sp>
+      <p:sp>
+        <p:nvSpPr>
+          <p:cNvPr id="4" name="Content Placeholder 3"/>
           <p:cNvSpPr>
             <a:spLocks noGrp="1"/>
           </p:cNvSpPr>
@@ -1337,8 +1177,8 @@
         </p:nvSpPr>
         <p:spPr>
           <a:xfrm>
-            <a:off x="6172200" y="1825625"/>
-            <a:ext cx="5181600" cy="4351338"/>
+            <a:off x="20368260" y="7789333"/>
+            <a:ext cx="17099280" cy="18565709"/>
           </a:xfrm>
         </p:spPr>
         <p:txBody>
@@ -1378,18 +1218,13 @@
               <a:rPr lang="en-US"/>
               <a:t>Fifth level</a:t>
             </a:r>
-          </a:p>
-        </p:txBody>
-      </p:sp>
-      <p:sp>
-        <p:nvSpPr>
-          <p:cNvPr id="5" name="Date Placeholder 4">
-            <a:extLst>
-              <a:ext uri="{FF2B5EF4-FFF2-40B4-BE49-F238E27FC236}">
-                <a16:creationId xmlns:a16="http://schemas.microsoft.com/office/drawing/2014/main" id="{170BFC21-4388-4016-B5C2-B7889A52EE5B}"/>
-              </a:ext>
-            </a:extLst>
-          </p:cNvPr>
+            <a:endParaRPr lang="en-US" dirty="0"/>
+          </a:p>
+        </p:txBody>
+      </p:sp>
+      <p:sp>
+        <p:nvSpPr>
+          <p:cNvPr id="5" name="Date Placeholder 4"/>
           <p:cNvSpPr>
             <a:spLocks noGrp="1"/>
           </p:cNvSpPr>
@@ -1404,7 +1239,7 @@
           <a:p>
             <a:fld id="{17B15591-64E1-4620-A2EF-1876399A9EDC}" type="datetimeFigureOut">
               <a:rPr lang="en-US" smtClean="0"/>
-              <a:t>3/14/2019</a:t>
+              <a:t>4/1/2019</a:t>
             </a:fld>
             <a:endParaRPr lang="en-US"/>
           </a:p>
@@ -1412,13 +1247,7 @@
       </p:sp>
       <p:sp>
         <p:nvSpPr>
-          <p:cNvPr id="6" name="Footer Placeholder 5">
-            <a:extLst>
-              <a:ext uri="{FF2B5EF4-FFF2-40B4-BE49-F238E27FC236}">
-                <a16:creationId xmlns:a16="http://schemas.microsoft.com/office/drawing/2014/main" id="{F09A8650-CFC4-4E0D-911F-E858D6AB235A}"/>
-              </a:ext>
-            </a:extLst>
-          </p:cNvPr>
+          <p:cNvPr id="6" name="Footer Placeholder 5"/>
           <p:cNvSpPr>
             <a:spLocks noGrp="1"/>
           </p:cNvSpPr>
@@ -1437,13 +1266,7 @@
       </p:sp>
       <p:sp>
         <p:nvSpPr>
-          <p:cNvPr id="7" name="Slide Number Placeholder 6">
-            <a:extLst>
-              <a:ext uri="{FF2B5EF4-FFF2-40B4-BE49-F238E27FC236}">
-                <a16:creationId xmlns:a16="http://schemas.microsoft.com/office/drawing/2014/main" id="{33CE26D6-FEA7-47B7-8F9A-19CD85F8C263}"/>
-              </a:ext>
-            </a:extLst>
-          </p:cNvPr>
+          <p:cNvPr id="7" name="Slide Number Placeholder 6"/>
           <p:cNvSpPr>
             <a:spLocks noGrp="1"/>
           </p:cNvSpPr>
@@ -1467,7 +1290,7 @@
     </p:spTree>
     <p:extLst>
       <p:ext uri="{BB962C8B-B14F-4D97-AF65-F5344CB8AC3E}">
-        <p14:creationId xmlns:p14="http://schemas.microsoft.com/office/powerpoint/2010/main" val="2437996195"/>
+        <p14:creationId xmlns:p14="http://schemas.microsoft.com/office/powerpoint/2010/main" val="3055620052"/>
       </p:ext>
     </p:extLst>
   </p:cSld>
@@ -1496,13 +1319,7 @@
       </p:grpSpPr>
       <p:sp>
         <p:nvSpPr>
-          <p:cNvPr id="2" name="Title 1">
-            <a:extLst>
-              <a:ext uri="{FF2B5EF4-FFF2-40B4-BE49-F238E27FC236}">
-                <a16:creationId xmlns:a16="http://schemas.microsoft.com/office/drawing/2014/main" id="{4C5A4D4B-3E5D-475B-83CC-A142FAA905D7}"/>
-              </a:ext>
-            </a:extLst>
-          </p:cNvPr>
+          <p:cNvPr id="2" name="Title 1"/>
           <p:cNvSpPr>
             <a:spLocks noGrp="1"/>
           </p:cNvSpPr>
@@ -1512,8 +1329,8 @@
         </p:nvSpPr>
         <p:spPr>
           <a:xfrm>
-            <a:off x="839788" y="365125"/>
-            <a:ext cx="10515600" cy="1325563"/>
+            <a:off x="2771300" y="1557873"/>
+            <a:ext cx="34701480" cy="5655735"/>
           </a:xfrm>
         </p:spPr>
         <p:txBody>
@@ -1524,18 +1341,13 @@
               <a:rPr lang="en-US"/>
               <a:t>Click to edit Master title style</a:t>
             </a:r>
-          </a:p>
-        </p:txBody>
-      </p:sp>
-      <p:sp>
-        <p:nvSpPr>
-          <p:cNvPr id="3" name="Text Placeholder 2">
-            <a:extLst>
-              <a:ext uri="{FF2B5EF4-FFF2-40B4-BE49-F238E27FC236}">
-                <a16:creationId xmlns:a16="http://schemas.microsoft.com/office/drawing/2014/main" id="{7B5F2027-5C06-4AEC-957A-504EDEC4798D}"/>
-              </a:ext>
-            </a:extLst>
-          </p:cNvPr>
+            <a:endParaRPr lang="en-US" dirty="0"/>
+          </a:p>
+        </p:txBody>
+      </p:sp>
+      <p:sp>
+        <p:nvSpPr>
+          <p:cNvPr id="3" name="Text Placeholder 2"/>
           <p:cNvSpPr>
             <a:spLocks noGrp="1"/>
           </p:cNvSpPr>
@@ -1545,8 +1357,8 @@
         </p:nvSpPr>
         <p:spPr>
           <a:xfrm>
-            <a:off x="839788" y="1681163"/>
-            <a:ext cx="5157787" cy="823912"/>
+            <a:off x="2771305" y="7172962"/>
+            <a:ext cx="17020696" cy="3515358"/>
           </a:xfrm>
         </p:spPr>
         <p:txBody>
@@ -1554,39 +1366,39 @@
           <a:lstStyle>
             <a:lvl1pPr marL="0" indent="0">
               <a:buNone/>
-              <a:defRPr sz="2400" b="1"/>
+              <a:defRPr sz="10240" b="1"/>
             </a:lvl1pPr>
-            <a:lvl2pPr marL="457200" indent="0">
-              <a:buNone/>
-              <a:defRPr sz="2000" b="1"/>
+            <a:lvl2pPr marL="1950735" indent="0">
+              <a:buNone/>
+              <a:defRPr sz="8533" b="1"/>
             </a:lvl2pPr>
-            <a:lvl3pPr marL="914400" indent="0">
-              <a:buNone/>
-              <a:defRPr sz="1800" b="1"/>
+            <a:lvl3pPr marL="3901470" indent="0">
+              <a:buNone/>
+              <a:defRPr sz="7680" b="1"/>
             </a:lvl3pPr>
-            <a:lvl4pPr marL="1371600" indent="0">
-              <a:buNone/>
-              <a:defRPr sz="1600" b="1"/>
+            <a:lvl4pPr marL="5852206" indent="0">
+              <a:buNone/>
+              <a:defRPr sz="6827" b="1"/>
             </a:lvl4pPr>
-            <a:lvl5pPr marL="1828800" indent="0">
-              <a:buNone/>
-              <a:defRPr sz="1600" b="1"/>
+            <a:lvl5pPr marL="7802941" indent="0">
+              <a:buNone/>
+              <a:defRPr sz="6827" b="1"/>
             </a:lvl5pPr>
-            <a:lvl6pPr marL="2286000" indent="0">
-              <a:buNone/>
-              <a:defRPr sz="1600" b="1"/>
+            <a:lvl6pPr marL="9753676" indent="0">
+              <a:buNone/>
+              <a:defRPr sz="6827" b="1"/>
             </a:lvl6pPr>
-            <a:lvl7pPr marL="2743200" indent="0">
-              <a:buNone/>
-              <a:defRPr sz="1600" b="1"/>
+            <a:lvl7pPr marL="11704411" indent="0">
+              <a:buNone/>
+              <a:defRPr sz="6827" b="1"/>
             </a:lvl7pPr>
-            <a:lvl8pPr marL="3200400" indent="0">
-              <a:buNone/>
-              <a:defRPr sz="1600" b="1"/>
+            <a:lvl8pPr marL="13655147" indent="0">
+              <a:buNone/>
+              <a:defRPr sz="6827" b="1"/>
             </a:lvl8pPr>
-            <a:lvl9pPr marL="3657600" indent="0">
-              <a:buNone/>
-              <a:defRPr sz="1600" b="1"/>
+            <a:lvl9pPr marL="15605882" indent="0">
+              <a:buNone/>
+              <a:defRPr sz="6827" b="1"/>
             </a:lvl9pPr>
           </a:lstStyle>
           <a:p>
@@ -1600,13 +1412,7 @@
       </p:sp>
       <p:sp>
         <p:nvSpPr>
-          <p:cNvPr id="4" name="Content Placeholder 3">
-            <a:extLst>
-              <a:ext uri="{FF2B5EF4-FFF2-40B4-BE49-F238E27FC236}">
-                <a16:creationId xmlns:a16="http://schemas.microsoft.com/office/drawing/2014/main" id="{F65801A1-2B89-42F1-B547-B40A8D37AB9B}"/>
-              </a:ext>
-            </a:extLst>
-          </p:cNvPr>
+          <p:cNvPr id="4" name="Content Placeholder 3"/>
           <p:cNvSpPr>
             <a:spLocks noGrp="1"/>
           </p:cNvSpPr>
@@ -1616,8 +1422,8 @@
         </p:nvSpPr>
         <p:spPr>
           <a:xfrm>
-            <a:off x="839788" y="2505075"/>
-            <a:ext cx="5157787" cy="3684588"/>
+            <a:off x="2771305" y="10688320"/>
+            <a:ext cx="17020696" cy="15720909"/>
           </a:xfrm>
         </p:spPr>
         <p:txBody>
@@ -1657,18 +1463,13 @@
               <a:rPr lang="en-US"/>
               <a:t>Fifth level</a:t>
             </a:r>
-          </a:p>
-        </p:txBody>
-      </p:sp>
-      <p:sp>
-        <p:nvSpPr>
-          <p:cNvPr id="5" name="Text Placeholder 4">
-            <a:extLst>
-              <a:ext uri="{FF2B5EF4-FFF2-40B4-BE49-F238E27FC236}">
-                <a16:creationId xmlns:a16="http://schemas.microsoft.com/office/drawing/2014/main" id="{B8BEFF38-F10F-405E-8109-4C8F7BBB11F3}"/>
-              </a:ext>
-            </a:extLst>
-          </p:cNvPr>
+            <a:endParaRPr lang="en-US" dirty="0"/>
+          </a:p>
+        </p:txBody>
+      </p:sp>
+      <p:sp>
+        <p:nvSpPr>
+          <p:cNvPr id="5" name="Text Placeholder 4"/>
           <p:cNvSpPr>
             <a:spLocks noGrp="1"/>
           </p:cNvSpPr>
@@ -1678,8 +1479,8 @@
         </p:nvSpPr>
         <p:spPr>
           <a:xfrm>
-            <a:off x="6172200" y="1681163"/>
-            <a:ext cx="5183188" cy="823912"/>
+            <a:off x="20368262" y="7172962"/>
+            <a:ext cx="17104520" cy="3515358"/>
           </a:xfrm>
         </p:spPr>
         <p:txBody>
@@ -1687,39 +1488,39 @@
           <a:lstStyle>
             <a:lvl1pPr marL="0" indent="0">
               <a:buNone/>
-              <a:defRPr sz="2400" b="1"/>
+              <a:defRPr sz="10240" b="1"/>
             </a:lvl1pPr>
-            <a:lvl2pPr marL="457200" indent="0">
-              <a:buNone/>
-              <a:defRPr sz="2000" b="1"/>
+            <a:lvl2pPr marL="1950735" indent="0">
+              <a:buNone/>
+              <a:defRPr sz="8533" b="1"/>
             </a:lvl2pPr>
-            <a:lvl3pPr marL="914400" indent="0">
-              <a:buNone/>
-              <a:defRPr sz="1800" b="1"/>
+            <a:lvl3pPr marL="3901470" indent="0">
+              <a:buNone/>
+              <a:defRPr sz="7680" b="1"/>
             </a:lvl3pPr>
-            <a:lvl4pPr marL="1371600" indent="0">
-              <a:buNone/>
-              <a:defRPr sz="1600" b="1"/>
+            <a:lvl4pPr marL="5852206" indent="0">
+              <a:buNone/>
+              <a:defRPr sz="6827" b="1"/>
             </a:lvl4pPr>
-            <a:lvl5pPr marL="1828800" indent="0">
-              <a:buNone/>
-              <a:defRPr sz="1600" b="1"/>
+            <a:lvl5pPr marL="7802941" indent="0">
+              <a:buNone/>
+              <a:defRPr sz="6827" b="1"/>
             </a:lvl5pPr>
-            <a:lvl6pPr marL="2286000" indent="0">
-              <a:buNone/>
-              <a:defRPr sz="1600" b="1"/>
+            <a:lvl6pPr marL="9753676" indent="0">
+              <a:buNone/>
+              <a:defRPr sz="6827" b="1"/>
             </a:lvl6pPr>
-            <a:lvl7pPr marL="2743200" indent="0">
-              <a:buNone/>
-              <a:defRPr sz="1600" b="1"/>
+            <a:lvl7pPr marL="11704411" indent="0">
+              <a:buNone/>
+              <a:defRPr sz="6827" b="1"/>
             </a:lvl7pPr>
-            <a:lvl8pPr marL="3200400" indent="0">
-              <a:buNone/>
-              <a:defRPr sz="1600" b="1"/>
+            <a:lvl8pPr marL="13655147" indent="0">
+              <a:buNone/>
+              <a:defRPr sz="6827" b="1"/>
             </a:lvl8pPr>
-            <a:lvl9pPr marL="3657600" indent="0">
-              <a:buNone/>
-              <a:defRPr sz="1600" b="1"/>
+            <a:lvl9pPr marL="15605882" indent="0">
+              <a:buNone/>
+              <a:defRPr sz="6827" b="1"/>
             </a:lvl9pPr>
           </a:lstStyle>
           <a:p>
@@ -1733,13 +1534,7 @@
       </p:sp>
       <p:sp>
         <p:nvSpPr>
-          <p:cNvPr id="6" name="Content Placeholder 5">
-            <a:extLst>
-              <a:ext uri="{FF2B5EF4-FFF2-40B4-BE49-F238E27FC236}">
-                <a16:creationId xmlns:a16="http://schemas.microsoft.com/office/drawing/2014/main" id="{AD6CD34A-64E8-4D01-9B65-74F101F844AA}"/>
-              </a:ext>
-            </a:extLst>
-          </p:cNvPr>
+          <p:cNvPr id="6" name="Content Placeholder 5"/>
           <p:cNvSpPr>
             <a:spLocks noGrp="1"/>
           </p:cNvSpPr>
@@ -1749,8 +1544,8 @@
         </p:nvSpPr>
         <p:spPr>
           <a:xfrm>
-            <a:off x="6172200" y="2505075"/>
-            <a:ext cx="5183188" cy="3684588"/>
+            <a:off x="20368262" y="10688320"/>
+            <a:ext cx="17104520" cy="15720909"/>
           </a:xfrm>
         </p:spPr>
         <p:txBody>
@@ -1790,18 +1585,13 @@
               <a:rPr lang="en-US"/>
               <a:t>Fifth level</a:t>
             </a:r>
-          </a:p>
-        </p:txBody>
-      </p:sp>
-      <p:sp>
-        <p:nvSpPr>
-          <p:cNvPr id="7" name="Date Placeholder 6">
-            <a:extLst>
-              <a:ext uri="{FF2B5EF4-FFF2-40B4-BE49-F238E27FC236}">
-                <a16:creationId xmlns:a16="http://schemas.microsoft.com/office/drawing/2014/main" id="{411A2753-6F27-4B1C-A7AA-97BADE950B3A}"/>
-              </a:ext>
-            </a:extLst>
-          </p:cNvPr>
+            <a:endParaRPr lang="en-US" dirty="0"/>
+          </a:p>
+        </p:txBody>
+      </p:sp>
+      <p:sp>
+        <p:nvSpPr>
+          <p:cNvPr id="7" name="Date Placeholder 6"/>
           <p:cNvSpPr>
             <a:spLocks noGrp="1"/>
           </p:cNvSpPr>
@@ -1816,7 +1606,7 @@
           <a:p>
             <a:fld id="{17B15591-64E1-4620-A2EF-1876399A9EDC}" type="datetimeFigureOut">
               <a:rPr lang="en-US" smtClean="0"/>
-              <a:t>3/14/2019</a:t>
+              <a:t>4/1/2019</a:t>
             </a:fld>
             <a:endParaRPr lang="en-US"/>
           </a:p>
@@ -1824,13 +1614,7 @@
       </p:sp>
       <p:sp>
         <p:nvSpPr>
-          <p:cNvPr id="8" name="Footer Placeholder 7">
-            <a:extLst>
-              <a:ext uri="{FF2B5EF4-FFF2-40B4-BE49-F238E27FC236}">
-                <a16:creationId xmlns:a16="http://schemas.microsoft.com/office/drawing/2014/main" id="{1426063F-9E8D-4C66-B550-04CE3941D526}"/>
-              </a:ext>
-            </a:extLst>
-          </p:cNvPr>
+          <p:cNvPr id="8" name="Footer Placeholder 7"/>
           <p:cNvSpPr>
             <a:spLocks noGrp="1"/>
           </p:cNvSpPr>
@@ -1849,13 +1633,7 @@
       </p:sp>
       <p:sp>
         <p:nvSpPr>
-          <p:cNvPr id="9" name="Slide Number Placeholder 8">
-            <a:extLst>
-              <a:ext uri="{FF2B5EF4-FFF2-40B4-BE49-F238E27FC236}">
-                <a16:creationId xmlns:a16="http://schemas.microsoft.com/office/drawing/2014/main" id="{030C7941-59CE-4B52-8A94-30B2F3E248FC}"/>
-              </a:ext>
-            </a:extLst>
-          </p:cNvPr>
+          <p:cNvPr id="9" name="Slide Number Placeholder 8"/>
           <p:cNvSpPr>
             <a:spLocks noGrp="1"/>
           </p:cNvSpPr>
@@ -1879,7 +1657,7 @@
     </p:spTree>
     <p:extLst>
       <p:ext uri="{BB962C8B-B14F-4D97-AF65-F5344CB8AC3E}">
-        <p14:creationId xmlns:p14="http://schemas.microsoft.com/office/powerpoint/2010/main" val="1674349059"/>
+        <p14:creationId xmlns:p14="http://schemas.microsoft.com/office/powerpoint/2010/main" val="2656402087"/>
       </p:ext>
     </p:extLst>
   </p:cSld>
@@ -1908,13 +1686,7 @@
       </p:grpSpPr>
       <p:sp>
         <p:nvSpPr>
-          <p:cNvPr id="2" name="Title 1">
-            <a:extLst>
-              <a:ext uri="{FF2B5EF4-FFF2-40B4-BE49-F238E27FC236}">
-                <a16:creationId xmlns:a16="http://schemas.microsoft.com/office/drawing/2014/main" id="{3A63B444-36E1-4896-8675-F1FB9532BF42}"/>
-              </a:ext>
-            </a:extLst>
-          </p:cNvPr>
+          <p:cNvPr id="2" name="Title 1"/>
           <p:cNvSpPr>
             <a:spLocks noGrp="1"/>
           </p:cNvSpPr>
@@ -1931,18 +1703,13 @@
               <a:rPr lang="en-US"/>
               <a:t>Click to edit Master title style</a:t>
             </a:r>
-          </a:p>
-        </p:txBody>
-      </p:sp>
-      <p:sp>
-        <p:nvSpPr>
-          <p:cNvPr id="3" name="Date Placeholder 2">
-            <a:extLst>
-              <a:ext uri="{FF2B5EF4-FFF2-40B4-BE49-F238E27FC236}">
-                <a16:creationId xmlns:a16="http://schemas.microsoft.com/office/drawing/2014/main" id="{F6E35B2F-FA02-44AE-BED8-F59CF9EA0C1B}"/>
-              </a:ext>
-            </a:extLst>
-          </p:cNvPr>
+            <a:endParaRPr lang="en-US" dirty="0"/>
+          </a:p>
+        </p:txBody>
+      </p:sp>
+      <p:sp>
+        <p:nvSpPr>
+          <p:cNvPr id="3" name="Date Placeholder 2"/>
           <p:cNvSpPr>
             <a:spLocks noGrp="1"/>
           </p:cNvSpPr>
@@ -1957,7 +1724,7 @@
           <a:p>
             <a:fld id="{17B15591-64E1-4620-A2EF-1876399A9EDC}" type="datetimeFigureOut">
               <a:rPr lang="en-US" smtClean="0"/>
-              <a:t>3/14/2019</a:t>
+              <a:t>4/1/2019</a:t>
             </a:fld>
             <a:endParaRPr lang="en-US"/>
           </a:p>
@@ -1965,13 +1732,7 @@
       </p:sp>
       <p:sp>
         <p:nvSpPr>
-          <p:cNvPr id="4" name="Footer Placeholder 3">
-            <a:extLst>
-              <a:ext uri="{FF2B5EF4-FFF2-40B4-BE49-F238E27FC236}">
-                <a16:creationId xmlns:a16="http://schemas.microsoft.com/office/drawing/2014/main" id="{6C6820DC-439E-4348-BED9-D3A36C421EBD}"/>
-              </a:ext>
-            </a:extLst>
-          </p:cNvPr>
+          <p:cNvPr id="4" name="Footer Placeholder 3"/>
           <p:cNvSpPr>
             <a:spLocks noGrp="1"/>
           </p:cNvSpPr>
@@ -1990,13 +1751,7 @@
       </p:sp>
       <p:sp>
         <p:nvSpPr>
-          <p:cNvPr id="5" name="Slide Number Placeholder 4">
-            <a:extLst>
-              <a:ext uri="{FF2B5EF4-FFF2-40B4-BE49-F238E27FC236}">
-                <a16:creationId xmlns:a16="http://schemas.microsoft.com/office/drawing/2014/main" id="{02765AEE-C40C-4594-9389-56A204EC3B94}"/>
-              </a:ext>
-            </a:extLst>
-          </p:cNvPr>
+          <p:cNvPr id="5" name="Slide Number Placeholder 4"/>
           <p:cNvSpPr>
             <a:spLocks noGrp="1"/>
           </p:cNvSpPr>
@@ -2020,7 +1775,7 @@
     </p:spTree>
     <p:extLst>
       <p:ext uri="{BB962C8B-B14F-4D97-AF65-F5344CB8AC3E}">
-        <p14:creationId xmlns:p14="http://schemas.microsoft.com/office/powerpoint/2010/main" val="1237282979"/>
+        <p14:creationId xmlns:p14="http://schemas.microsoft.com/office/powerpoint/2010/main" val="3145137693"/>
       </p:ext>
     </p:extLst>
   </p:cSld>
@@ -2049,13 +1804,7 @@
       </p:grpSpPr>
       <p:sp>
         <p:nvSpPr>
-          <p:cNvPr id="2" name="Date Placeholder 1">
-            <a:extLst>
-              <a:ext uri="{FF2B5EF4-FFF2-40B4-BE49-F238E27FC236}">
-                <a16:creationId xmlns:a16="http://schemas.microsoft.com/office/drawing/2014/main" id="{90442AE4-7C2F-4696-92A7-C97D0338C776}"/>
-              </a:ext>
-            </a:extLst>
-          </p:cNvPr>
+          <p:cNvPr id="2" name="Date Placeholder 1"/>
           <p:cNvSpPr>
             <a:spLocks noGrp="1"/>
           </p:cNvSpPr>
@@ -2070,7 +1819,7 @@
           <a:p>
             <a:fld id="{17B15591-64E1-4620-A2EF-1876399A9EDC}" type="datetimeFigureOut">
               <a:rPr lang="en-US" smtClean="0"/>
-              <a:t>3/14/2019</a:t>
+              <a:t>4/1/2019</a:t>
             </a:fld>
             <a:endParaRPr lang="en-US"/>
           </a:p>
@@ -2078,13 +1827,7 @@
       </p:sp>
       <p:sp>
         <p:nvSpPr>
-          <p:cNvPr id="3" name="Footer Placeholder 2">
-            <a:extLst>
-              <a:ext uri="{FF2B5EF4-FFF2-40B4-BE49-F238E27FC236}">
-                <a16:creationId xmlns:a16="http://schemas.microsoft.com/office/drawing/2014/main" id="{EFE777F7-7998-4FEC-964A-8763A301419D}"/>
-              </a:ext>
-            </a:extLst>
-          </p:cNvPr>
+          <p:cNvPr id="3" name="Footer Placeholder 2"/>
           <p:cNvSpPr>
             <a:spLocks noGrp="1"/>
           </p:cNvSpPr>
@@ -2103,13 +1846,7 @@
       </p:sp>
       <p:sp>
         <p:nvSpPr>
-          <p:cNvPr id="4" name="Slide Number Placeholder 3">
-            <a:extLst>
-              <a:ext uri="{FF2B5EF4-FFF2-40B4-BE49-F238E27FC236}">
-                <a16:creationId xmlns:a16="http://schemas.microsoft.com/office/drawing/2014/main" id="{768DC211-068C-473E-BF77-24BBC00537ED}"/>
-              </a:ext>
-            </a:extLst>
-          </p:cNvPr>
+          <p:cNvPr id="4" name="Slide Number Placeholder 3"/>
           <p:cNvSpPr>
             <a:spLocks noGrp="1"/>
           </p:cNvSpPr>
@@ -2133,7 +1870,7 @@
     </p:spTree>
     <p:extLst>
       <p:ext uri="{BB962C8B-B14F-4D97-AF65-F5344CB8AC3E}">
-        <p14:creationId xmlns:p14="http://schemas.microsoft.com/office/powerpoint/2010/main" val="951235332"/>
+        <p14:creationId xmlns:p14="http://schemas.microsoft.com/office/powerpoint/2010/main" val="2257774069"/>
       </p:ext>
     </p:extLst>
   </p:cSld>
@@ -2162,13 +1899,7 @@
       </p:grpSpPr>
       <p:sp>
         <p:nvSpPr>
-          <p:cNvPr id="2" name="Title 1">
-            <a:extLst>
-              <a:ext uri="{FF2B5EF4-FFF2-40B4-BE49-F238E27FC236}">
-                <a16:creationId xmlns:a16="http://schemas.microsoft.com/office/drawing/2014/main" id="{8CD3772D-6D76-458F-AD5D-2C014B8608AB}"/>
-              </a:ext>
-            </a:extLst>
-          </p:cNvPr>
+          <p:cNvPr id="2" name="Title 1"/>
           <p:cNvSpPr>
             <a:spLocks noGrp="1"/>
           </p:cNvSpPr>
@@ -2178,15 +1909,15 @@
         </p:nvSpPr>
         <p:spPr>
           <a:xfrm>
-            <a:off x="839788" y="457200"/>
-            <a:ext cx="3932237" cy="1600200"/>
+            <a:off x="2771301" y="1950720"/>
+            <a:ext cx="12976383" cy="6827520"/>
           </a:xfrm>
         </p:spPr>
         <p:txBody>
           <a:bodyPr anchor="b"/>
           <a:lstStyle>
             <a:lvl1pPr>
-              <a:defRPr sz="3200"/>
+              <a:defRPr sz="13653"/>
             </a:lvl1pPr>
           </a:lstStyle>
           <a:p>
@@ -2194,18 +1925,13 @@
               <a:rPr lang="en-US"/>
               <a:t>Click to edit Master title style</a:t>
             </a:r>
-          </a:p>
-        </p:txBody>
-      </p:sp>
-      <p:sp>
-        <p:nvSpPr>
-          <p:cNvPr id="3" name="Content Placeholder 2">
-            <a:extLst>
-              <a:ext uri="{FF2B5EF4-FFF2-40B4-BE49-F238E27FC236}">
-                <a16:creationId xmlns:a16="http://schemas.microsoft.com/office/drawing/2014/main" id="{B3876CAA-EBCA-43F3-BA98-B077FEDFBA9D}"/>
-              </a:ext>
-            </a:extLst>
-          </p:cNvPr>
+            <a:endParaRPr lang="en-US" dirty="0"/>
+          </a:p>
+        </p:txBody>
+      </p:sp>
+      <p:sp>
+        <p:nvSpPr>
+          <p:cNvPr id="3" name="Content Placeholder 2"/>
           <p:cNvSpPr>
             <a:spLocks noGrp="1"/>
           </p:cNvSpPr>
@@ -2215,39 +1941,39 @@
         </p:nvSpPr>
         <p:spPr>
           <a:xfrm>
-            <a:off x="5183188" y="987425"/>
-            <a:ext cx="6172200" cy="4873625"/>
+            <a:off x="17104520" y="4213020"/>
+            <a:ext cx="20368260" cy="20794133"/>
           </a:xfrm>
         </p:spPr>
         <p:txBody>
           <a:bodyPr/>
           <a:lstStyle>
             <a:lvl1pPr>
-              <a:defRPr sz="3200"/>
+              <a:defRPr sz="13653"/>
             </a:lvl1pPr>
             <a:lvl2pPr>
-              <a:defRPr sz="2800"/>
+              <a:defRPr sz="11947"/>
             </a:lvl2pPr>
             <a:lvl3pPr>
-              <a:defRPr sz="2400"/>
+              <a:defRPr sz="10240"/>
             </a:lvl3pPr>
             <a:lvl4pPr>
-              <a:defRPr sz="2000"/>
+              <a:defRPr sz="8533"/>
             </a:lvl4pPr>
             <a:lvl5pPr>
-              <a:defRPr sz="2000"/>
+              <a:defRPr sz="8533"/>
             </a:lvl5pPr>
             <a:lvl6pPr>
-              <a:defRPr sz="2000"/>
+              <a:defRPr sz="8533"/>
             </a:lvl6pPr>
             <a:lvl7pPr>
-              <a:defRPr sz="2000"/>
+              <a:defRPr sz="8533"/>
             </a:lvl7pPr>
             <a:lvl8pPr>
-              <a:defRPr sz="2000"/>
+              <a:defRPr sz="8533"/>
             </a:lvl8pPr>
             <a:lvl9pPr>
-              <a:defRPr sz="2000"/>
+              <a:defRPr sz="8533"/>
             </a:lvl9pPr>
           </a:lstStyle>
           <a:p>
@@ -2284,18 +2010,13 @@
               <a:rPr lang="en-US"/>
               <a:t>Fifth level</a:t>
             </a:r>
-          </a:p>
-        </p:txBody>
-      </p:sp>
-      <p:sp>
-        <p:nvSpPr>
-          <p:cNvPr id="4" name="Text Placeholder 3">
-            <a:extLst>
-              <a:ext uri="{FF2B5EF4-FFF2-40B4-BE49-F238E27FC236}">
-                <a16:creationId xmlns:a16="http://schemas.microsoft.com/office/drawing/2014/main" id="{50DE1C89-566A-4A81-8C96-A43FD54C554C}"/>
-              </a:ext>
-            </a:extLst>
-          </p:cNvPr>
+            <a:endParaRPr lang="en-US" dirty="0"/>
+          </a:p>
+        </p:txBody>
+      </p:sp>
+      <p:sp>
+        <p:nvSpPr>
+          <p:cNvPr id="4" name="Text Placeholder 3"/>
           <p:cNvSpPr>
             <a:spLocks noGrp="1"/>
           </p:cNvSpPr>
@@ -2305,8 +2026,8 @@
         </p:nvSpPr>
         <p:spPr>
           <a:xfrm>
-            <a:off x="839788" y="2057400"/>
-            <a:ext cx="3932237" cy="3811588"/>
+            <a:off x="2771301" y="8778240"/>
+            <a:ext cx="12976383" cy="16262775"/>
           </a:xfrm>
         </p:spPr>
         <p:txBody>
@@ -2314,39 +2035,39 @@
           <a:lstStyle>
             <a:lvl1pPr marL="0" indent="0">
               <a:buNone/>
-              <a:defRPr sz="1600"/>
+              <a:defRPr sz="6827"/>
             </a:lvl1pPr>
-            <a:lvl2pPr marL="457200" indent="0">
-              <a:buNone/>
-              <a:defRPr sz="1400"/>
+            <a:lvl2pPr marL="1950735" indent="0">
+              <a:buNone/>
+              <a:defRPr sz="5973"/>
             </a:lvl2pPr>
-            <a:lvl3pPr marL="914400" indent="0">
-              <a:buNone/>
-              <a:defRPr sz="1200"/>
+            <a:lvl3pPr marL="3901470" indent="0">
+              <a:buNone/>
+              <a:defRPr sz="5120"/>
             </a:lvl3pPr>
-            <a:lvl4pPr marL="1371600" indent="0">
-              <a:buNone/>
-              <a:defRPr sz="1000"/>
+            <a:lvl4pPr marL="5852206" indent="0">
+              <a:buNone/>
+              <a:defRPr sz="4267"/>
             </a:lvl4pPr>
-            <a:lvl5pPr marL="1828800" indent="0">
-              <a:buNone/>
-              <a:defRPr sz="1000"/>
+            <a:lvl5pPr marL="7802941" indent="0">
+              <a:buNone/>
+              <a:defRPr sz="4267"/>
             </a:lvl5pPr>
-            <a:lvl6pPr marL="2286000" indent="0">
-              <a:buNone/>
-              <a:defRPr sz="1000"/>
+            <a:lvl6pPr marL="9753676" indent="0">
+              <a:buNone/>
+              <a:defRPr sz="4267"/>
             </a:lvl6pPr>
-            <a:lvl7pPr marL="2743200" indent="0">
-              <a:buNone/>
-              <a:defRPr sz="1000"/>
+            <a:lvl7pPr marL="11704411" indent="0">
+              <a:buNone/>
+              <a:defRPr sz="4267"/>
             </a:lvl7pPr>
-            <a:lvl8pPr marL="3200400" indent="0">
-              <a:buNone/>
-              <a:defRPr sz="1000"/>
+            <a:lvl8pPr marL="13655147" indent="0">
+              <a:buNone/>
+              <a:defRPr sz="4267"/>
             </a:lvl8pPr>
-            <a:lvl9pPr marL="3657600" indent="0">
-              <a:buNone/>
-              <a:defRPr sz="1000"/>
+            <a:lvl9pPr marL="15605882" indent="0">
+              <a:buNone/>
+              <a:defRPr sz="4267"/>
             </a:lvl9pPr>
           </a:lstStyle>
           <a:p>
@@ -2360,13 +2081,7 @@
       </p:sp>
       <p:sp>
         <p:nvSpPr>
-          <p:cNvPr id="5" name="Date Placeholder 4">
-            <a:extLst>
-              <a:ext uri="{FF2B5EF4-FFF2-40B4-BE49-F238E27FC236}">
-                <a16:creationId xmlns:a16="http://schemas.microsoft.com/office/drawing/2014/main" id="{76C643B8-6889-461F-A63A-2EC9F0274796}"/>
-              </a:ext>
-            </a:extLst>
-          </p:cNvPr>
+          <p:cNvPr id="5" name="Date Placeholder 4"/>
           <p:cNvSpPr>
             <a:spLocks noGrp="1"/>
           </p:cNvSpPr>
@@ -2381,7 +2096,7 @@
           <a:p>
             <a:fld id="{17B15591-64E1-4620-A2EF-1876399A9EDC}" type="datetimeFigureOut">
               <a:rPr lang="en-US" smtClean="0"/>
-              <a:t>3/14/2019</a:t>
+              <a:t>4/1/2019</a:t>
             </a:fld>
             <a:endParaRPr lang="en-US"/>
           </a:p>
@@ -2389,13 +2104,7 @@
       </p:sp>
       <p:sp>
         <p:nvSpPr>
-          <p:cNvPr id="6" name="Footer Placeholder 5">
-            <a:extLst>
-              <a:ext uri="{FF2B5EF4-FFF2-40B4-BE49-F238E27FC236}">
-                <a16:creationId xmlns:a16="http://schemas.microsoft.com/office/drawing/2014/main" id="{61F330B0-179F-4912-BD85-F4A3919B2222}"/>
-              </a:ext>
-            </a:extLst>
-          </p:cNvPr>
+          <p:cNvPr id="6" name="Footer Placeholder 5"/>
           <p:cNvSpPr>
             <a:spLocks noGrp="1"/>
           </p:cNvSpPr>
@@ -2414,13 +2123,7 @@
       </p:sp>
       <p:sp>
         <p:nvSpPr>
-          <p:cNvPr id="7" name="Slide Number Placeholder 6">
-            <a:extLst>
-              <a:ext uri="{FF2B5EF4-FFF2-40B4-BE49-F238E27FC236}">
-                <a16:creationId xmlns:a16="http://schemas.microsoft.com/office/drawing/2014/main" id="{629885E3-8A2B-4B82-8322-6922BF331748}"/>
-              </a:ext>
-            </a:extLst>
-          </p:cNvPr>
+          <p:cNvPr id="7" name="Slide Number Placeholder 6"/>
           <p:cNvSpPr>
             <a:spLocks noGrp="1"/>
           </p:cNvSpPr>
@@ -2444,7 +2147,7 @@
     </p:spTree>
     <p:extLst>
       <p:ext uri="{BB962C8B-B14F-4D97-AF65-F5344CB8AC3E}">
-        <p14:creationId xmlns:p14="http://schemas.microsoft.com/office/powerpoint/2010/main" val="2227057086"/>
+        <p14:creationId xmlns:p14="http://schemas.microsoft.com/office/powerpoint/2010/main" val="3247018655"/>
       </p:ext>
     </p:extLst>
   </p:cSld>
@@ -2473,13 +2176,7 @@
       </p:grpSpPr>
       <p:sp>
         <p:nvSpPr>
-          <p:cNvPr id="2" name="Title 1">
-            <a:extLst>
-              <a:ext uri="{FF2B5EF4-FFF2-40B4-BE49-F238E27FC236}">
-                <a16:creationId xmlns:a16="http://schemas.microsoft.com/office/drawing/2014/main" id="{2895545B-1867-49AB-9144-50A1091E155F}"/>
-              </a:ext>
-            </a:extLst>
-          </p:cNvPr>
+          <p:cNvPr id="2" name="Title 1"/>
           <p:cNvSpPr>
             <a:spLocks noGrp="1"/>
           </p:cNvSpPr>
@@ -2489,15 +2186,15 @@
         </p:nvSpPr>
         <p:spPr>
           <a:xfrm>
-            <a:off x="839788" y="457200"/>
-            <a:ext cx="3932237" cy="1600200"/>
+            <a:off x="2771301" y="1950720"/>
+            <a:ext cx="12976383" cy="6827520"/>
           </a:xfrm>
         </p:spPr>
         <p:txBody>
           <a:bodyPr anchor="b"/>
           <a:lstStyle>
             <a:lvl1pPr>
-              <a:defRPr sz="3200"/>
+              <a:defRPr sz="13653"/>
             </a:lvl1pPr>
           </a:lstStyle>
           <a:p>
@@ -2505,20 +2202,15 @@
               <a:rPr lang="en-US"/>
               <a:t>Click to edit Master title style</a:t>
             </a:r>
-          </a:p>
-        </p:txBody>
-      </p:sp>
-      <p:sp>
-        <p:nvSpPr>
-          <p:cNvPr id="3" name="Picture Placeholder 2">
-            <a:extLst>
-              <a:ext uri="{FF2B5EF4-FFF2-40B4-BE49-F238E27FC236}">
-                <a16:creationId xmlns:a16="http://schemas.microsoft.com/office/drawing/2014/main" id="{9FB1C498-898A-4DE6-8323-52145879E5C1}"/>
-              </a:ext>
-            </a:extLst>
-          </p:cNvPr>
-          <p:cNvSpPr>
-            <a:spLocks noGrp="1"/>
+            <a:endParaRPr lang="en-US" dirty="0"/>
+          </a:p>
+        </p:txBody>
+      </p:sp>
+      <p:sp>
+        <p:nvSpPr>
+          <p:cNvPr id="3" name="Picture Placeholder 2"/>
+          <p:cNvSpPr>
+            <a:spLocks noGrp="1" noChangeAspect="1"/>
           </p:cNvSpPr>
           <p:nvPr>
             <p:ph type="pic" idx="1"/>
@@ -2526,64 +2218,62 @@
         </p:nvSpPr>
         <p:spPr>
           <a:xfrm>
-            <a:off x="5183188" y="987425"/>
-            <a:ext cx="6172200" cy="4873625"/>
+            <a:off x="17104520" y="4213020"/>
+            <a:ext cx="20368260" cy="20794133"/>
           </a:xfrm>
         </p:spPr>
         <p:txBody>
-          <a:bodyPr/>
+          <a:bodyPr anchor="t"/>
           <a:lstStyle>
             <a:lvl1pPr marL="0" indent="0">
               <a:buNone/>
-              <a:defRPr sz="3200"/>
+              <a:defRPr sz="13653"/>
             </a:lvl1pPr>
-            <a:lvl2pPr marL="457200" indent="0">
-              <a:buNone/>
-              <a:defRPr sz="2800"/>
+            <a:lvl2pPr marL="1950735" indent="0">
+              <a:buNone/>
+              <a:defRPr sz="11947"/>
             </a:lvl2pPr>
-            <a:lvl3pPr marL="914400" indent="0">
-              <a:buNone/>
-              <a:defRPr sz="2400"/>
+            <a:lvl3pPr marL="3901470" indent="0">
+              <a:buNone/>
+              <a:defRPr sz="10240"/>
             </a:lvl3pPr>
-            <a:lvl4pPr marL="1371600" indent="0">
-              <a:buNone/>
-              <a:defRPr sz="2000"/>
+            <a:lvl4pPr marL="5852206" indent="0">
+              <a:buNone/>
+              <a:defRPr sz="8533"/>
             </a:lvl4pPr>
-            <a:lvl5pPr marL="1828800" indent="0">
-              <a:buNone/>
-              <a:defRPr sz="2000"/>
+            <a:lvl5pPr marL="7802941" indent="0">
+              <a:buNone/>
+              <a:defRPr sz="8533"/>
             </a:lvl5pPr>
-            <a:lvl6pPr marL="2286000" indent="0">
-              <a:buNone/>
-              <a:defRPr sz="2000"/>
+            <a:lvl6pPr marL="9753676" indent="0">
+              <a:buNone/>
+              <a:defRPr sz="8533"/>
             </a:lvl6pPr>
-            <a:lvl7pPr marL="2743200" indent="0">
-              <a:buNone/>
-              <a:defRPr sz="2000"/>
+            <a:lvl7pPr marL="11704411" indent="0">
+              <a:buNone/>
+              <a:defRPr sz="8533"/>
             </a:lvl7pPr>
-            <a:lvl8pPr marL="3200400" indent="0">
-              <a:buNone/>
-              <a:defRPr sz="2000"/>
+            <a:lvl8pPr marL="13655147" indent="0">
+              <a:buNone/>
+              <a:defRPr sz="8533"/>
             </a:lvl8pPr>
-            <a:lvl9pPr marL="3657600" indent="0">
-              <a:buNone/>
-              <a:defRPr sz="2000"/>
+            <a:lvl9pPr marL="15605882" indent="0">
+              <a:buNone/>
+              <a:defRPr sz="8533"/>
             </a:lvl9pPr>
           </a:lstStyle>
           <a:p>
-            <a:endParaRPr lang="en-US"/>
-          </a:p>
-        </p:txBody>
-      </p:sp>
-      <p:sp>
-        <p:nvSpPr>
-          <p:cNvPr id="4" name="Text Placeholder 3">
-            <a:extLst>
-              <a:ext uri="{FF2B5EF4-FFF2-40B4-BE49-F238E27FC236}">
-                <a16:creationId xmlns:a16="http://schemas.microsoft.com/office/drawing/2014/main" id="{0B6E2055-A31D-4663-B134-E3E7BF12AB16}"/>
-              </a:ext>
-            </a:extLst>
-          </p:cNvPr>
+            <a:r>
+              <a:rPr lang="en-US"/>
+              <a:t>Click icon to add picture</a:t>
+            </a:r>
+            <a:endParaRPr lang="en-US" dirty="0"/>
+          </a:p>
+        </p:txBody>
+      </p:sp>
+      <p:sp>
+        <p:nvSpPr>
+          <p:cNvPr id="4" name="Text Placeholder 3"/>
           <p:cNvSpPr>
             <a:spLocks noGrp="1"/>
           </p:cNvSpPr>
@@ -2593,8 +2283,8 @@
         </p:nvSpPr>
         <p:spPr>
           <a:xfrm>
-            <a:off x="839788" y="2057400"/>
-            <a:ext cx="3932237" cy="3811588"/>
+            <a:off x="2771301" y="8778240"/>
+            <a:ext cx="12976383" cy="16262775"/>
           </a:xfrm>
         </p:spPr>
         <p:txBody>
@@ -2602,39 +2292,39 @@
           <a:lstStyle>
             <a:lvl1pPr marL="0" indent="0">
               <a:buNone/>
-              <a:defRPr sz="1600"/>
+              <a:defRPr sz="6827"/>
             </a:lvl1pPr>
-            <a:lvl2pPr marL="457200" indent="0">
-              <a:buNone/>
-              <a:defRPr sz="1400"/>
+            <a:lvl2pPr marL="1950735" indent="0">
+              <a:buNone/>
+              <a:defRPr sz="5973"/>
             </a:lvl2pPr>
-            <a:lvl3pPr marL="914400" indent="0">
-              <a:buNone/>
-              <a:defRPr sz="1200"/>
+            <a:lvl3pPr marL="3901470" indent="0">
+              <a:buNone/>
+              <a:defRPr sz="5120"/>
             </a:lvl3pPr>
-            <a:lvl4pPr marL="1371600" indent="0">
-              <a:buNone/>
-              <a:defRPr sz="1000"/>
+            <a:lvl4pPr marL="5852206" indent="0">
+              <a:buNone/>
+              <a:defRPr sz="4267"/>
             </a:lvl4pPr>
-            <a:lvl5pPr marL="1828800" indent="0">
-              <a:buNone/>
-              <a:defRPr sz="1000"/>
+            <a:lvl5pPr marL="7802941" indent="0">
+              <a:buNone/>
+              <a:defRPr sz="4267"/>
             </a:lvl5pPr>
-            <a:lvl6pPr marL="2286000" indent="0">
-              <a:buNone/>
-              <a:defRPr sz="1000"/>
+            <a:lvl6pPr marL="9753676" indent="0">
+              <a:buNone/>
+              <a:defRPr sz="4267"/>
             </a:lvl6pPr>
-            <a:lvl7pPr marL="2743200" indent="0">
-              <a:buNone/>
-              <a:defRPr sz="1000"/>
+            <a:lvl7pPr marL="11704411" indent="0">
+              <a:buNone/>
+              <a:defRPr sz="4267"/>
             </a:lvl7pPr>
-            <a:lvl8pPr marL="3200400" indent="0">
-              <a:buNone/>
-              <a:defRPr sz="1000"/>
+            <a:lvl8pPr marL="13655147" indent="0">
+              <a:buNone/>
+              <a:defRPr sz="4267"/>
             </a:lvl8pPr>
-            <a:lvl9pPr marL="3657600" indent="0">
-              <a:buNone/>
-              <a:defRPr sz="1000"/>
+            <a:lvl9pPr marL="15605882" indent="0">
+              <a:buNone/>
+              <a:defRPr sz="4267"/>
             </a:lvl9pPr>
           </a:lstStyle>
           <a:p>
@@ -2648,13 +2338,7 @@
       </p:sp>
       <p:sp>
         <p:nvSpPr>
-          <p:cNvPr id="5" name="Date Placeholder 4">
-            <a:extLst>
-              <a:ext uri="{FF2B5EF4-FFF2-40B4-BE49-F238E27FC236}">
-                <a16:creationId xmlns:a16="http://schemas.microsoft.com/office/drawing/2014/main" id="{FAAFB486-45F1-4E67-8DF1-47891D2D23CB}"/>
-              </a:ext>
-            </a:extLst>
-          </p:cNvPr>
+          <p:cNvPr id="5" name="Date Placeholder 4"/>
           <p:cNvSpPr>
             <a:spLocks noGrp="1"/>
           </p:cNvSpPr>
@@ -2669,7 +2353,7 @@
           <a:p>
             <a:fld id="{17B15591-64E1-4620-A2EF-1876399A9EDC}" type="datetimeFigureOut">
               <a:rPr lang="en-US" smtClean="0"/>
-              <a:t>3/14/2019</a:t>
+              <a:t>4/1/2019</a:t>
             </a:fld>
             <a:endParaRPr lang="en-US"/>
           </a:p>
@@ -2677,13 +2361,7 @@
       </p:sp>
       <p:sp>
         <p:nvSpPr>
-          <p:cNvPr id="6" name="Footer Placeholder 5">
-            <a:extLst>
-              <a:ext uri="{FF2B5EF4-FFF2-40B4-BE49-F238E27FC236}">
-                <a16:creationId xmlns:a16="http://schemas.microsoft.com/office/drawing/2014/main" id="{E491BA1C-CE4E-44CA-8987-002A0EE0BC2F}"/>
-              </a:ext>
-            </a:extLst>
-          </p:cNvPr>
+          <p:cNvPr id="6" name="Footer Placeholder 5"/>
           <p:cNvSpPr>
             <a:spLocks noGrp="1"/>
           </p:cNvSpPr>
@@ -2702,13 +2380,7 @@
       </p:sp>
       <p:sp>
         <p:nvSpPr>
-          <p:cNvPr id="7" name="Slide Number Placeholder 6">
-            <a:extLst>
-              <a:ext uri="{FF2B5EF4-FFF2-40B4-BE49-F238E27FC236}">
-                <a16:creationId xmlns:a16="http://schemas.microsoft.com/office/drawing/2014/main" id="{8105B76F-B966-48A0-B27D-91AE19588551}"/>
-              </a:ext>
-            </a:extLst>
-          </p:cNvPr>
+          <p:cNvPr id="7" name="Slide Number Placeholder 6"/>
           <p:cNvSpPr>
             <a:spLocks noGrp="1"/>
           </p:cNvSpPr>
@@ -2732,7 +2404,7 @@
     </p:spTree>
     <p:extLst>
       <p:ext uri="{BB962C8B-B14F-4D97-AF65-F5344CB8AC3E}">
-        <p14:creationId xmlns:p14="http://schemas.microsoft.com/office/powerpoint/2010/main" val="2220036600"/>
+        <p14:creationId xmlns:p14="http://schemas.microsoft.com/office/powerpoint/2010/main" val="2183512506"/>
       </p:ext>
     </p:extLst>
   </p:cSld>
@@ -2766,13 +2438,7 @@
       </p:grpSpPr>
       <p:sp>
         <p:nvSpPr>
-          <p:cNvPr id="2" name="Title Placeholder 1">
-            <a:extLst>
-              <a:ext uri="{FF2B5EF4-FFF2-40B4-BE49-F238E27FC236}">
-                <a16:creationId xmlns:a16="http://schemas.microsoft.com/office/drawing/2014/main" id="{25D81100-8563-406C-809B-7B1758C45354}"/>
-              </a:ext>
-            </a:extLst>
-          </p:cNvPr>
+          <p:cNvPr id="2" name="Title Placeholder 1"/>
           <p:cNvSpPr>
             <a:spLocks noGrp="1"/>
           </p:cNvSpPr>
@@ -2782,8 +2448,8 @@
         </p:nvSpPr>
         <p:spPr>
           <a:xfrm>
-            <a:off x="838200" y="365125"/>
-            <a:ext cx="10515600" cy="1325563"/>
+            <a:off x="2766060" y="1557873"/>
+            <a:ext cx="34701480" cy="5655735"/>
           </a:xfrm>
           <a:prstGeom prst="rect">
             <a:avLst/>
@@ -2799,18 +2465,13 @@
               <a:rPr lang="en-US"/>
               <a:t>Click to edit Master title style</a:t>
             </a:r>
-          </a:p>
-        </p:txBody>
-      </p:sp>
-      <p:sp>
-        <p:nvSpPr>
-          <p:cNvPr id="3" name="Text Placeholder 2">
-            <a:extLst>
-              <a:ext uri="{FF2B5EF4-FFF2-40B4-BE49-F238E27FC236}">
-                <a16:creationId xmlns:a16="http://schemas.microsoft.com/office/drawing/2014/main" id="{3FECCD11-0F05-4750-818D-786A73B46116}"/>
-              </a:ext>
-            </a:extLst>
-          </p:cNvPr>
+            <a:endParaRPr lang="en-US" dirty="0"/>
+          </a:p>
+        </p:txBody>
+      </p:sp>
+      <p:sp>
+        <p:nvSpPr>
+          <p:cNvPr id="3" name="Text Placeholder 2"/>
           <p:cNvSpPr>
             <a:spLocks noGrp="1"/>
           </p:cNvSpPr>
@@ -2820,8 +2481,8 @@
         </p:nvSpPr>
         <p:spPr>
           <a:xfrm>
-            <a:off x="838200" y="1825625"/>
-            <a:ext cx="10515600" cy="4351338"/>
+            <a:off x="2766060" y="7789333"/>
+            <a:ext cx="34701480" cy="18565709"/>
           </a:xfrm>
           <a:prstGeom prst="rect">
             <a:avLst/>
@@ -2866,18 +2527,13 @@
               <a:rPr lang="en-US"/>
               <a:t>Fifth level</a:t>
             </a:r>
-          </a:p>
-        </p:txBody>
-      </p:sp>
-      <p:sp>
-        <p:nvSpPr>
-          <p:cNvPr id="4" name="Date Placeholder 3">
-            <a:extLst>
-              <a:ext uri="{FF2B5EF4-FFF2-40B4-BE49-F238E27FC236}">
-                <a16:creationId xmlns:a16="http://schemas.microsoft.com/office/drawing/2014/main" id="{758C51C6-E3E0-46AF-973B-8CAB88F2B85A}"/>
-              </a:ext>
-            </a:extLst>
-          </p:cNvPr>
+            <a:endParaRPr lang="en-US" dirty="0"/>
+          </a:p>
+        </p:txBody>
+      </p:sp>
+      <p:sp>
+        <p:nvSpPr>
+          <p:cNvPr id="4" name="Date Placeholder 3"/>
           <p:cNvSpPr>
             <a:spLocks noGrp="1"/>
           </p:cNvSpPr>
@@ -2887,8 +2543,8 @@
         </p:nvSpPr>
         <p:spPr>
           <a:xfrm>
-            <a:off x="838200" y="6356350"/>
-            <a:ext cx="2743200" cy="365125"/>
+            <a:off x="2766060" y="27120433"/>
+            <a:ext cx="9052560" cy="1557867"/>
           </a:xfrm>
           <a:prstGeom prst="rect">
             <a:avLst/>
@@ -2898,7 +2554,7 @@
           <a:bodyPr vert="horz" lIns="91440" tIns="45720" rIns="91440" bIns="45720" rtlCol="0" anchor="ctr"/>
           <a:lstStyle>
             <a:lvl1pPr algn="l">
-              <a:defRPr sz="1200">
+              <a:defRPr sz="5120">
                 <a:solidFill>
                   <a:schemeClr val="tx1">
                     <a:tint val="75000"/>
@@ -2910,7 +2566,7 @@
           <a:p>
             <a:fld id="{17B15591-64E1-4620-A2EF-1876399A9EDC}" type="datetimeFigureOut">
               <a:rPr lang="en-US" smtClean="0"/>
-              <a:t>3/14/2019</a:t>
+              <a:t>4/1/2019</a:t>
             </a:fld>
             <a:endParaRPr lang="en-US"/>
           </a:p>
@@ -2918,13 +2574,7 @@
       </p:sp>
       <p:sp>
         <p:nvSpPr>
-          <p:cNvPr id="5" name="Footer Placeholder 4">
-            <a:extLst>
-              <a:ext uri="{FF2B5EF4-FFF2-40B4-BE49-F238E27FC236}">
-                <a16:creationId xmlns:a16="http://schemas.microsoft.com/office/drawing/2014/main" id="{04A959EA-8914-413C-98FF-06112B88712C}"/>
-              </a:ext>
-            </a:extLst>
-          </p:cNvPr>
+          <p:cNvPr id="5" name="Footer Placeholder 4"/>
           <p:cNvSpPr>
             <a:spLocks noGrp="1"/>
           </p:cNvSpPr>
@@ -2934,8 +2584,8 @@
         </p:nvSpPr>
         <p:spPr>
           <a:xfrm>
-            <a:off x="4038600" y="6356350"/>
-            <a:ext cx="4114800" cy="365125"/>
+            <a:off x="13327380" y="27120433"/>
+            <a:ext cx="13578840" cy="1557867"/>
           </a:xfrm>
           <a:prstGeom prst="rect">
             <a:avLst/>
@@ -2945,7 +2595,7 @@
           <a:bodyPr vert="horz" lIns="91440" tIns="45720" rIns="91440" bIns="45720" rtlCol="0" anchor="ctr"/>
           <a:lstStyle>
             <a:lvl1pPr algn="ctr">
-              <a:defRPr sz="1200">
+              <a:defRPr sz="5120">
                 <a:solidFill>
                   <a:schemeClr val="tx1">
                     <a:tint val="75000"/>
@@ -2961,13 +2611,7 @@
       </p:sp>
       <p:sp>
         <p:nvSpPr>
-          <p:cNvPr id="6" name="Slide Number Placeholder 5">
-            <a:extLst>
-              <a:ext uri="{FF2B5EF4-FFF2-40B4-BE49-F238E27FC236}">
-                <a16:creationId xmlns:a16="http://schemas.microsoft.com/office/drawing/2014/main" id="{EA772B46-6EC5-45B3-99EE-D0B74AE045F9}"/>
-              </a:ext>
-            </a:extLst>
-          </p:cNvPr>
+          <p:cNvPr id="6" name="Slide Number Placeholder 5"/>
           <p:cNvSpPr>
             <a:spLocks noGrp="1"/>
           </p:cNvSpPr>
@@ -2977,8 +2621,8 @@
         </p:nvSpPr>
         <p:spPr>
           <a:xfrm>
-            <a:off x="8610600" y="6356350"/>
-            <a:ext cx="2743200" cy="365125"/>
+            <a:off x="28414980" y="27120433"/>
+            <a:ext cx="9052560" cy="1557867"/>
           </a:xfrm>
           <a:prstGeom prst="rect">
             <a:avLst/>
@@ -2988,7 +2632,7 @@
           <a:bodyPr vert="horz" lIns="91440" tIns="45720" rIns="91440" bIns="45720" rtlCol="0" anchor="ctr"/>
           <a:lstStyle>
             <a:lvl1pPr algn="r">
-              <a:defRPr sz="1200">
+              <a:defRPr sz="5120">
                 <a:solidFill>
                   <a:schemeClr val="tx1">
                     <a:tint val="75000"/>
@@ -3009,27 +2653,27 @@
     </p:spTree>
     <p:extLst>
       <p:ext uri="{BB962C8B-B14F-4D97-AF65-F5344CB8AC3E}">
-        <p14:creationId xmlns:p14="http://schemas.microsoft.com/office/powerpoint/2010/main" val="312374708"/>
+        <p14:creationId xmlns:p14="http://schemas.microsoft.com/office/powerpoint/2010/main" val="3289739210"/>
       </p:ext>
     </p:extLst>
   </p:cSld>
   <p:clrMap bg1="lt1" tx1="dk1" bg2="lt2" tx2="dk2" accent1="accent1" accent2="accent2" accent3="accent3" accent4="accent4" accent5="accent5" accent6="accent6" hlink="hlink" folHlink="folHlink"/>
   <p:sldLayoutIdLst>
-    <p:sldLayoutId id="2147483649" r:id="rId1"/>
-    <p:sldLayoutId id="2147483650" r:id="rId2"/>
-    <p:sldLayoutId id="2147483651" r:id="rId3"/>
-    <p:sldLayoutId id="2147483652" r:id="rId4"/>
-    <p:sldLayoutId id="2147483653" r:id="rId5"/>
-    <p:sldLayoutId id="2147483654" r:id="rId6"/>
-    <p:sldLayoutId id="2147483655" r:id="rId7"/>
-    <p:sldLayoutId id="2147483656" r:id="rId8"/>
-    <p:sldLayoutId id="2147483657" r:id="rId9"/>
-    <p:sldLayoutId id="2147483658" r:id="rId10"/>
-    <p:sldLayoutId id="2147483659" r:id="rId11"/>
+    <p:sldLayoutId id="2147483661" r:id="rId1"/>
+    <p:sldLayoutId id="2147483662" r:id="rId2"/>
+    <p:sldLayoutId id="2147483663" r:id="rId3"/>
+    <p:sldLayoutId id="2147483664" r:id="rId4"/>
+    <p:sldLayoutId id="2147483665" r:id="rId5"/>
+    <p:sldLayoutId id="2147483666" r:id="rId6"/>
+    <p:sldLayoutId id="2147483667" r:id="rId7"/>
+    <p:sldLayoutId id="2147483668" r:id="rId8"/>
+    <p:sldLayoutId id="2147483669" r:id="rId9"/>
+    <p:sldLayoutId id="2147483670" r:id="rId10"/>
+    <p:sldLayoutId id="2147483671" r:id="rId11"/>
   </p:sldLayoutIdLst>
   <p:txStyles>
     <p:titleStyle>
-      <a:lvl1pPr algn="l" defTabSz="914400" rtl="0" eaLnBrk="1" latinLnBrk="0" hangingPunct="1">
+      <a:lvl1pPr algn="l" defTabSz="3901470" rtl="0" eaLnBrk="1" latinLnBrk="0" hangingPunct="1">
         <a:lnSpc>
           <a:spcPct val="90000"/>
         </a:lnSpc>
@@ -3037,7 +2681,7 @@
           <a:spcPct val="0"/>
         </a:spcBef>
         <a:buNone/>
-        <a:defRPr sz="4400" kern="1200">
+        <a:defRPr sz="18773" kern="1200">
           <a:solidFill>
             <a:schemeClr val="tx1"/>
           </a:solidFill>
@@ -3048,16 +2692,16 @@
       </a:lvl1pPr>
     </p:titleStyle>
     <p:bodyStyle>
-      <a:lvl1pPr marL="228600" indent="-228600" algn="l" defTabSz="914400" rtl="0" eaLnBrk="1" latinLnBrk="0" hangingPunct="1">
+      <a:lvl1pPr marL="975368" indent="-975368" algn="l" defTabSz="3901470" rtl="0" eaLnBrk="1" latinLnBrk="0" hangingPunct="1">
         <a:lnSpc>
           <a:spcPct val="90000"/>
         </a:lnSpc>
         <a:spcBef>
-          <a:spcPts val="1000"/>
+          <a:spcPts val="4267"/>
         </a:spcBef>
         <a:buFont typeface="Arial" panose="020B0604020202020204" pitchFamily="34" charset="0"/>
         <a:buChar char="•"/>
-        <a:defRPr sz="2800" kern="1200">
+        <a:defRPr sz="11947" kern="1200">
           <a:solidFill>
             <a:schemeClr val="tx1"/>
           </a:solidFill>
@@ -3066,16 +2710,16 @@
           <a:cs typeface="+mn-cs"/>
         </a:defRPr>
       </a:lvl1pPr>
-      <a:lvl2pPr marL="685800" indent="-228600" algn="l" defTabSz="914400" rtl="0" eaLnBrk="1" latinLnBrk="0" hangingPunct="1">
+      <a:lvl2pPr marL="2926103" indent="-975368" algn="l" defTabSz="3901470" rtl="0" eaLnBrk="1" latinLnBrk="0" hangingPunct="1">
         <a:lnSpc>
           <a:spcPct val="90000"/>
         </a:lnSpc>
         <a:spcBef>
-          <a:spcPts val="500"/>
+          <a:spcPts val="2133"/>
         </a:spcBef>
         <a:buFont typeface="Arial" panose="020B0604020202020204" pitchFamily="34" charset="0"/>
         <a:buChar char="•"/>
-        <a:defRPr sz="2400" kern="1200">
+        <a:defRPr sz="10240" kern="1200">
           <a:solidFill>
             <a:schemeClr val="tx1"/>
           </a:solidFill>
@@ -3084,16 +2728,16 @@
           <a:cs typeface="+mn-cs"/>
         </a:defRPr>
       </a:lvl2pPr>
-      <a:lvl3pPr marL="1143000" indent="-228600" algn="l" defTabSz="914400" rtl="0" eaLnBrk="1" latinLnBrk="0" hangingPunct="1">
+      <a:lvl3pPr marL="4876838" indent="-975368" algn="l" defTabSz="3901470" rtl="0" eaLnBrk="1" latinLnBrk="0" hangingPunct="1">
         <a:lnSpc>
           <a:spcPct val="90000"/>
         </a:lnSpc>
         <a:spcBef>
-          <a:spcPts val="500"/>
+          <a:spcPts val="2133"/>
         </a:spcBef>
         <a:buFont typeface="Arial" panose="020B0604020202020204" pitchFamily="34" charset="0"/>
         <a:buChar char="•"/>
-        <a:defRPr sz="2000" kern="1200">
+        <a:defRPr sz="8533" kern="1200">
           <a:solidFill>
             <a:schemeClr val="tx1"/>
           </a:solidFill>
@@ -3102,16 +2746,16 @@
           <a:cs typeface="+mn-cs"/>
         </a:defRPr>
       </a:lvl3pPr>
-      <a:lvl4pPr marL="1600200" indent="-228600" algn="l" defTabSz="914400" rtl="0" eaLnBrk="1" latinLnBrk="0" hangingPunct="1">
+      <a:lvl4pPr marL="6827573" indent="-975368" algn="l" defTabSz="3901470" rtl="0" eaLnBrk="1" latinLnBrk="0" hangingPunct="1">
         <a:lnSpc>
           <a:spcPct val="90000"/>
         </a:lnSpc>
         <a:spcBef>
-          <a:spcPts val="500"/>
+          <a:spcPts val="2133"/>
         </a:spcBef>
         <a:buFont typeface="Arial" panose="020B0604020202020204" pitchFamily="34" charset="0"/>
         <a:buChar char="•"/>
-        <a:defRPr sz="1800" kern="1200">
+        <a:defRPr sz="7680" kern="1200">
           <a:solidFill>
             <a:schemeClr val="tx1"/>
           </a:solidFill>
@@ -3120,16 +2764,16 @@
           <a:cs typeface="+mn-cs"/>
         </a:defRPr>
       </a:lvl4pPr>
-      <a:lvl5pPr marL="2057400" indent="-228600" algn="l" defTabSz="914400" rtl="0" eaLnBrk="1" latinLnBrk="0" hangingPunct="1">
+      <a:lvl5pPr marL="8778309" indent="-975368" algn="l" defTabSz="3901470" rtl="0" eaLnBrk="1" latinLnBrk="0" hangingPunct="1">
         <a:lnSpc>
           <a:spcPct val="90000"/>
         </a:lnSpc>
         <a:spcBef>
-          <a:spcPts val="500"/>
+          <a:spcPts val="2133"/>
         </a:spcBef>
         <a:buFont typeface="Arial" panose="020B0604020202020204" pitchFamily="34" charset="0"/>
         <a:buChar char="•"/>
-        <a:defRPr sz="1800" kern="1200">
+        <a:defRPr sz="7680" kern="1200">
           <a:solidFill>
             <a:schemeClr val="tx1"/>
           </a:solidFill>
@@ -3138,16 +2782,16 @@
           <a:cs typeface="+mn-cs"/>
         </a:defRPr>
       </a:lvl5pPr>
-      <a:lvl6pPr marL="2514600" indent="-228600" algn="l" defTabSz="914400" rtl="0" eaLnBrk="1" latinLnBrk="0" hangingPunct="1">
+      <a:lvl6pPr marL="10729044" indent="-975368" algn="l" defTabSz="3901470" rtl="0" eaLnBrk="1" latinLnBrk="0" hangingPunct="1">
         <a:lnSpc>
           <a:spcPct val="90000"/>
         </a:lnSpc>
         <a:spcBef>
-          <a:spcPts val="500"/>
+          <a:spcPts val="2133"/>
         </a:spcBef>
         <a:buFont typeface="Arial" panose="020B0604020202020204" pitchFamily="34" charset="0"/>
         <a:buChar char="•"/>
-        <a:defRPr sz="1800" kern="1200">
+        <a:defRPr sz="7680" kern="1200">
           <a:solidFill>
             <a:schemeClr val="tx1"/>
           </a:solidFill>
@@ -3156,16 +2800,16 @@
           <a:cs typeface="+mn-cs"/>
         </a:defRPr>
       </a:lvl6pPr>
-      <a:lvl7pPr marL="2971800" indent="-228600" algn="l" defTabSz="914400" rtl="0" eaLnBrk="1" latinLnBrk="0" hangingPunct="1">
+      <a:lvl7pPr marL="12679779" indent="-975368" algn="l" defTabSz="3901470" rtl="0" eaLnBrk="1" latinLnBrk="0" hangingPunct="1">
         <a:lnSpc>
           <a:spcPct val="90000"/>
         </a:lnSpc>
         <a:spcBef>
-          <a:spcPts val="500"/>
+          <a:spcPts val="2133"/>
         </a:spcBef>
         <a:buFont typeface="Arial" panose="020B0604020202020204" pitchFamily="34" charset="0"/>
         <a:buChar char="•"/>
-        <a:defRPr sz="1800" kern="1200">
+        <a:defRPr sz="7680" kern="1200">
           <a:solidFill>
             <a:schemeClr val="tx1"/>
           </a:solidFill>
@@ -3174,16 +2818,16 @@
           <a:cs typeface="+mn-cs"/>
         </a:defRPr>
       </a:lvl7pPr>
-      <a:lvl8pPr marL="3429000" indent="-228600" algn="l" defTabSz="914400" rtl="0" eaLnBrk="1" latinLnBrk="0" hangingPunct="1">
+      <a:lvl8pPr marL="14630514" indent="-975368" algn="l" defTabSz="3901470" rtl="0" eaLnBrk="1" latinLnBrk="0" hangingPunct="1">
         <a:lnSpc>
           <a:spcPct val="90000"/>
         </a:lnSpc>
         <a:spcBef>
-          <a:spcPts val="500"/>
+          <a:spcPts val="2133"/>
         </a:spcBef>
         <a:buFont typeface="Arial" panose="020B0604020202020204" pitchFamily="34" charset="0"/>
         <a:buChar char="•"/>
-        <a:defRPr sz="1800" kern="1200">
+        <a:defRPr sz="7680" kern="1200">
           <a:solidFill>
             <a:schemeClr val="tx1"/>
           </a:solidFill>
@@ -3192,16 +2836,16 @@
           <a:cs typeface="+mn-cs"/>
         </a:defRPr>
       </a:lvl8pPr>
-      <a:lvl9pPr marL="3886200" indent="-228600" algn="l" defTabSz="914400" rtl="0" eaLnBrk="1" latinLnBrk="0" hangingPunct="1">
+      <a:lvl9pPr marL="16581250" indent="-975368" algn="l" defTabSz="3901470" rtl="0" eaLnBrk="1" latinLnBrk="0" hangingPunct="1">
         <a:lnSpc>
           <a:spcPct val="90000"/>
         </a:lnSpc>
         <a:spcBef>
-          <a:spcPts val="500"/>
+          <a:spcPts val="2133"/>
         </a:spcBef>
         <a:buFont typeface="Arial" panose="020B0604020202020204" pitchFamily="34" charset="0"/>
         <a:buChar char="•"/>
-        <a:defRPr sz="1800" kern="1200">
+        <a:defRPr sz="7680" kern="1200">
           <a:solidFill>
             <a:schemeClr val="tx1"/>
           </a:solidFill>
@@ -3215,8 +2859,8 @@
       <a:defPPr>
         <a:defRPr lang="en-US"/>
       </a:defPPr>
-      <a:lvl1pPr marL="0" algn="l" defTabSz="914400" rtl="0" eaLnBrk="1" latinLnBrk="0" hangingPunct="1">
-        <a:defRPr sz="1800" kern="1200">
+      <a:lvl1pPr marL="0" algn="l" defTabSz="3901470" rtl="0" eaLnBrk="1" latinLnBrk="0" hangingPunct="1">
+        <a:defRPr sz="7680" kern="1200">
           <a:solidFill>
             <a:schemeClr val="tx1"/>
           </a:solidFill>
@@ -3225,8 +2869,8 @@
           <a:cs typeface="+mn-cs"/>
         </a:defRPr>
       </a:lvl1pPr>
-      <a:lvl2pPr marL="457200" algn="l" defTabSz="914400" rtl="0" eaLnBrk="1" latinLnBrk="0" hangingPunct="1">
-        <a:defRPr sz="1800" kern="1200">
+      <a:lvl2pPr marL="1950735" algn="l" defTabSz="3901470" rtl="0" eaLnBrk="1" latinLnBrk="0" hangingPunct="1">
+        <a:defRPr sz="7680" kern="1200">
           <a:solidFill>
             <a:schemeClr val="tx1"/>
           </a:solidFill>
@@ -3235,8 +2879,8 @@
           <a:cs typeface="+mn-cs"/>
         </a:defRPr>
       </a:lvl2pPr>
-      <a:lvl3pPr marL="914400" algn="l" defTabSz="914400" rtl="0" eaLnBrk="1" latinLnBrk="0" hangingPunct="1">
-        <a:defRPr sz="1800" kern="1200">
+      <a:lvl3pPr marL="3901470" algn="l" defTabSz="3901470" rtl="0" eaLnBrk="1" latinLnBrk="0" hangingPunct="1">
+        <a:defRPr sz="7680" kern="1200">
           <a:solidFill>
             <a:schemeClr val="tx1"/>
           </a:solidFill>
@@ -3245,8 +2889,8 @@
           <a:cs typeface="+mn-cs"/>
         </a:defRPr>
       </a:lvl3pPr>
-      <a:lvl4pPr marL="1371600" algn="l" defTabSz="914400" rtl="0" eaLnBrk="1" latinLnBrk="0" hangingPunct="1">
-        <a:defRPr sz="1800" kern="1200">
+      <a:lvl4pPr marL="5852206" algn="l" defTabSz="3901470" rtl="0" eaLnBrk="1" latinLnBrk="0" hangingPunct="1">
+        <a:defRPr sz="7680" kern="1200">
           <a:solidFill>
             <a:schemeClr val="tx1"/>
           </a:solidFill>
@@ -3255,8 +2899,8 @@
           <a:cs typeface="+mn-cs"/>
         </a:defRPr>
       </a:lvl4pPr>
-      <a:lvl5pPr marL="1828800" algn="l" defTabSz="914400" rtl="0" eaLnBrk="1" latinLnBrk="0" hangingPunct="1">
-        <a:defRPr sz="1800" kern="1200">
+      <a:lvl5pPr marL="7802941" algn="l" defTabSz="3901470" rtl="0" eaLnBrk="1" latinLnBrk="0" hangingPunct="1">
+        <a:defRPr sz="7680" kern="1200">
           <a:solidFill>
             <a:schemeClr val="tx1"/>
           </a:solidFill>
@@ -3265,8 +2909,8 @@
           <a:cs typeface="+mn-cs"/>
         </a:defRPr>
       </a:lvl5pPr>
-      <a:lvl6pPr marL="2286000" algn="l" defTabSz="914400" rtl="0" eaLnBrk="1" latinLnBrk="0" hangingPunct="1">
-        <a:defRPr sz="1800" kern="1200">
+      <a:lvl6pPr marL="9753676" algn="l" defTabSz="3901470" rtl="0" eaLnBrk="1" latinLnBrk="0" hangingPunct="1">
+        <a:defRPr sz="7680" kern="1200">
           <a:solidFill>
             <a:schemeClr val="tx1"/>
           </a:solidFill>
@@ -3275,8 +2919,8 @@
           <a:cs typeface="+mn-cs"/>
         </a:defRPr>
       </a:lvl6pPr>
-      <a:lvl7pPr marL="2743200" algn="l" defTabSz="914400" rtl="0" eaLnBrk="1" latinLnBrk="0" hangingPunct="1">
-        <a:defRPr sz="1800" kern="1200">
+      <a:lvl7pPr marL="11704411" algn="l" defTabSz="3901470" rtl="0" eaLnBrk="1" latinLnBrk="0" hangingPunct="1">
+        <a:defRPr sz="7680" kern="1200">
           <a:solidFill>
             <a:schemeClr val="tx1"/>
           </a:solidFill>
@@ -3285,8 +2929,8 @@
           <a:cs typeface="+mn-cs"/>
         </a:defRPr>
       </a:lvl7pPr>
-      <a:lvl8pPr marL="3200400" algn="l" defTabSz="914400" rtl="0" eaLnBrk="1" latinLnBrk="0" hangingPunct="1">
-        <a:defRPr sz="1800" kern="1200">
+      <a:lvl8pPr marL="13655147" algn="l" defTabSz="3901470" rtl="0" eaLnBrk="1" latinLnBrk="0" hangingPunct="1">
+        <a:defRPr sz="7680" kern="1200">
           <a:solidFill>
             <a:schemeClr val="tx1"/>
           </a:solidFill>
@@ -3295,8 +2939,8 @@
           <a:cs typeface="+mn-cs"/>
         </a:defRPr>
       </a:lvl8pPr>
-      <a:lvl9pPr marL="3657600" algn="l" defTabSz="914400" rtl="0" eaLnBrk="1" latinLnBrk="0" hangingPunct="1">
-        <a:defRPr sz="1800" kern="1200">
+      <a:lvl9pPr marL="15605882" algn="l" defTabSz="3901470" rtl="0" eaLnBrk="1" latinLnBrk="0" hangingPunct="1">
+        <a:defRPr sz="7680" kern="1200">
           <a:solidFill>
             <a:schemeClr val="tx1"/>
           </a:solidFill>
@@ -3346,8 +2990,8 @@
         </p:nvSpPr>
         <p:spPr>
           <a:xfrm>
-            <a:off x="292961" y="206876"/>
-            <a:ext cx="11514339" cy="1200329"/>
+            <a:off x="1562100" y="878289"/>
+            <a:ext cx="37109400" cy="3770263"/>
           </a:xfrm>
           <a:prstGeom prst="rect">
             <a:avLst/>
@@ -3357,7 +3001,7 @@
           </a:solidFill>
           <a:ln>
             <a:solidFill>
-              <a:schemeClr val="tx1"/>
+              <a:srgbClr val="0070C0"/>
             </a:solidFill>
           </a:ln>
         </p:spPr>
@@ -3369,30 +3013,34 @@
           <a:p>
             <a:pPr algn="ctr"/>
             <a:r>
-              <a:rPr lang="en-US" b="1" dirty="0"/>
-              <a:t>Implementing the Dirichlet Process to Improve </a:t>
+              <a:rPr lang="en-US" sz="6600" b="1" dirty="0"/>
+              <a:t>Unifying Phenotypic and Molecular Data for Phylogenetic Estimation</a:t>
             </a:r>
           </a:p>
           <a:p>
             <a:pPr algn="ctr"/>
             <a:r>
-              <a:rPr lang="en-US" b="1" dirty="0"/>
-              <a:t>Computational Efficiency of Partition of Big Data Sets </a:t>
+              <a:rPr lang="en-US" sz="5500" dirty="0"/>
+              <a:t>Tyler Tran, Christina Kolbmann, Courtney Grigsby, April Wright PhD </a:t>
             </a:r>
           </a:p>
           <a:p>
             <a:pPr algn="ctr"/>
             <a:r>
-              <a:rPr lang="en-US" dirty="0"/>
-              <a:t>Tyler Tran and April Wright PhD, </a:t>
+              <a:rPr lang="en-US" sz="5500" dirty="0"/>
+              <a:t>Department of Biological Science, </a:t>
             </a:r>
           </a:p>
           <a:p>
             <a:pPr algn="ctr"/>
             <a:r>
-              <a:rPr lang="en-US" dirty="0"/>
-              <a:t>Department of Biological Science, Southeastern Louisiana University</a:t>
-            </a:r>
+              <a:rPr lang="en-US" sz="5500" dirty="0"/>
+              <a:t>Southeastern Louisiana University</a:t>
+            </a:r>
+          </a:p>
+          <a:p>
+            <a:pPr algn="ctr"/>
+            <a:endParaRPr lang="en-US" sz="800" dirty="0"/>
           </a:p>
         </p:txBody>
       </p:sp>
@@ -3410,8 +3058,8 @@
         </p:nvSpPr>
         <p:spPr>
           <a:xfrm>
-            <a:off x="292961" y="3973468"/>
-            <a:ext cx="3217639" cy="2677656"/>
+            <a:off x="27796776" y="5557935"/>
+            <a:ext cx="10842061" cy="14311610"/>
           </a:xfrm>
           <a:prstGeom prst="rect">
             <a:avLst/>
@@ -3434,16 +3082,15 @@
           <a:lstStyle/>
           <a:p>
             <a:r>
-              <a:rPr lang="en-US" sz="1050" b="1" dirty="0"/>
-              <a:t>Why Ants ?</a:t>
-            </a:r>
-          </a:p>
-          <a:p>
-            <a:r>
-              <a:rPr lang="en-US" sz="1050" dirty="0"/>
-              <a:t>Ants are an extraordinary model species to test our theory in the Dirichlet Process and its ability to improve computational efficiency in partitioning large data sets. Scattered countlessly across the surface of the earth are nearly 15,000 described ant species. These ants are major parts of every ecosystem they inhabit as they aid tremendously in the decomposition of most motile macro organisms. Ants scientifically named as Formicidae, diverged into their own lineage approximately 139 million years ago and have been monumental factors across the globe since. Their combined biomass is nearly equal to that of humanity’s. Their current diversity in conjunction to their enormous fossil records provides astounding amounts of genetic data for phylogenetic testing and analysis. </a:t>
-            </a:r>
-            <a:endParaRPr lang="en-US" sz="4000" dirty="0"/>
+              <a:rPr lang="en-US" sz="6000" b="1" dirty="0"/>
+              <a:t>Why Use Ants? </a:t>
+            </a:r>
+          </a:p>
+          <a:p>
+            <a:r>
+              <a:rPr lang="en-US" sz="5400" dirty="0"/>
+              <a:t>In our experiment, we’d like to better understand the phylogenetic tree of Formicidae as it provides much insight on the evolutionary processes that affect not just ants, but any closely interacting species. On earth, are nearly 12,000 currently described ant species. These ants are major parts of every ecosystem they inhabit as they aid tremendously in decomposition. Interactions with other species on the food webs are very dynamic. Their incredible current diversity in conjunction to their available data records provides a well-rounded basis for phylogenetic testing and analysis. </a:t>
+            </a:r>
           </a:p>
         </p:txBody>
       </p:sp>
@@ -3461,8 +3108,8 @@
         </p:nvSpPr>
         <p:spPr>
           <a:xfrm>
-            <a:off x="8279207" y="1457394"/>
-            <a:ext cx="3497801" cy="1869743"/>
+            <a:off x="13333103" y="16776391"/>
+            <a:ext cx="13567389" cy="6186309"/>
           </a:xfrm>
           <a:prstGeom prst="rect">
             <a:avLst/>
@@ -3485,40 +3132,15 @@
           <a:lstStyle/>
           <a:p>
             <a:r>
-              <a:rPr lang="en-US" sz="1050" b="1" dirty="0"/>
-              <a:t>Implementing the </a:t>
-            </a:r>
-            <a:r>
-              <a:rPr lang="en-US" sz="1050" b="1" dirty="0" err="1"/>
-              <a:t>Dirchlet</a:t>
-            </a:r>
-            <a:r>
-              <a:rPr lang="en-US" sz="1050" b="1" dirty="0"/>
-              <a:t> Process</a:t>
-            </a:r>
-          </a:p>
-          <a:p>
-            <a:r>
-              <a:rPr lang="en-US" sz="1050" dirty="0"/>
-              <a:t>Genetic data increasingly grows as fossils are collected overtime. The large genetics data sets become progressively difficult for functions to process. This often makes running the functions with these large data sets time consuming. The </a:t>
-            </a:r>
-            <a:r>
-              <a:rPr lang="en-US" sz="1050" dirty="0" err="1"/>
-              <a:t>Dirchlet</a:t>
-            </a:r>
-            <a:r>
-              <a:rPr lang="en-US" sz="1050" dirty="0"/>
-              <a:t> Process is a mixture model the automates finding the subsets of genes that need to be modeled separately. Implementing the </a:t>
-            </a:r>
-            <a:r>
-              <a:rPr lang="en-US" sz="1050" dirty="0" err="1"/>
-              <a:t>Dirchlet</a:t>
-            </a:r>
-            <a:r>
-              <a:rPr lang="en-US" sz="1050" dirty="0"/>
-              <a:t> Process on top of another function, the FDB model, will increase efficient statistical modeling of the biological inferencing through partitioning large data sets.</a:t>
-            </a:r>
-            <a:endParaRPr lang="en-US" sz="1400" dirty="0"/>
+              <a:rPr lang="en-US" sz="6000" b="1" dirty="0"/>
+              <a:t>Results and Conclusion</a:t>
+            </a:r>
+          </a:p>
+          <a:p>
+            <a:r>
+              <a:rPr lang="en-US" sz="5400" dirty="0"/>
+              <a:t>The phylogeny is composed of 750 ant samples with 85 being fossils. Most of tips are grouped into their major subfamilies. The phylogeny suggest an origin time of approximately 125 millions year ago. Indicated at the blue bar is the crown group of ants. </a:t>
+            </a:r>
           </a:p>
         </p:txBody>
       </p:sp>
@@ -3536,8 +3158,8 @@
         </p:nvSpPr>
         <p:spPr>
           <a:xfrm>
-            <a:off x="3893055" y="5132911"/>
-            <a:ext cx="4033988" cy="461665"/>
+            <a:off x="13333103" y="23894408"/>
+            <a:ext cx="13494928" cy="3647152"/>
           </a:xfrm>
           <a:prstGeom prst="rect">
             <a:avLst/>
@@ -3559,60 +3181,54 @@
           </a:bodyPr>
           <a:lstStyle/>
           <a:p>
-            <a:r>
-              <a:rPr lang="en-US" sz="2400" dirty="0"/>
-              <a:t>Acknowledgement </a:t>
-            </a:r>
-          </a:p>
-        </p:txBody>
-      </p:sp>
-      <p:pic>
-        <p:nvPicPr>
-          <p:cNvPr id="1028" name="Picture 4" descr="Image result for phylogenetic ant tree">
-            <a:extLst>
-              <a:ext uri="{FF2B5EF4-FFF2-40B4-BE49-F238E27FC236}">
-                <a16:creationId xmlns:a16="http://schemas.microsoft.com/office/drawing/2014/main" id="{6DCD5189-60E5-4CE0-81DA-1A9527D972F3}"/>
-              </a:ext>
-            </a:extLst>
-          </p:cNvPr>
-          <p:cNvPicPr>
-            <a:picLocks noChangeAspect="1" noChangeArrowheads="1"/>
-          </p:cNvPicPr>
-          <p:nvPr/>
-        </p:nvPicPr>
-        <p:blipFill>
-          <a:blip r:embed="rId3">
-            <a:extLst>
-              <a:ext uri="{28A0092B-C50C-407E-A947-70E740481C1C}">
-                <a14:useLocalDpi xmlns:a14="http://schemas.microsoft.com/office/drawing/2010/main" val="0"/>
-              </a:ext>
-            </a:extLst>
-          </a:blip>
-          <a:srcRect/>
-          <a:stretch>
-            <a:fillRect/>
-          </a:stretch>
-        </p:blipFill>
-        <p:spPr bwMode="auto">
-          <a:xfrm>
-            <a:off x="3918711" y="1608064"/>
-            <a:ext cx="3095447" cy="3323987"/>
-          </a:xfrm>
-          <a:prstGeom prst="rect">
-            <a:avLst/>
-          </a:prstGeom>
-          <a:noFill/>
-          <a:extLst>
-            <a:ext uri="{909E8E84-426E-40DD-AFC4-6F175D3DCCD1}">
-              <a14:hiddenFill xmlns:a14="http://schemas.microsoft.com/office/drawing/2010/main">
-                <a:solidFill>
-                  <a:srgbClr val="FFFFFF"/>
-                </a:solidFill>
-              </a14:hiddenFill>
-            </a:ext>
-          </a:extLst>
-        </p:spPr>
-      </p:pic>
+            <a:pPr algn="ctr"/>
+            <a:r>
+              <a:rPr lang="en-US" sz="6000" b="1" dirty="0"/>
+              <a:t>Acknowledgements</a:t>
+            </a:r>
+          </a:p>
+          <a:p>
+            <a:pPr algn="ctr"/>
+            <a:endParaRPr lang="en-US" sz="900" b="1" dirty="0"/>
+          </a:p>
+          <a:p>
+            <a:pPr algn="ctr"/>
+            <a:endParaRPr lang="en-US" b="1" dirty="0"/>
+          </a:p>
+          <a:p>
+            <a:pPr algn="ctr"/>
+            <a:endParaRPr lang="en-US" b="1" dirty="0"/>
+          </a:p>
+          <a:p>
+            <a:pPr algn="ctr"/>
+            <a:endParaRPr lang="en-US" b="1" dirty="0"/>
+          </a:p>
+          <a:p>
+            <a:pPr algn="ctr"/>
+            <a:endParaRPr lang="en-US" b="1" dirty="0"/>
+          </a:p>
+          <a:p>
+            <a:pPr algn="ctr"/>
+            <a:endParaRPr lang="en-US" b="1" dirty="0"/>
+          </a:p>
+          <a:p>
+            <a:pPr algn="ctr"/>
+            <a:endParaRPr lang="en-US" b="1" dirty="0"/>
+          </a:p>
+          <a:p>
+            <a:pPr algn="ctr"/>
+            <a:endParaRPr lang="en-US" b="1" dirty="0"/>
+          </a:p>
+          <a:p>
+            <a:pPr algn="ctr"/>
+            <a:endParaRPr lang="en-US" b="1" dirty="0"/>
+          </a:p>
+          <a:p>
+            <a:pPr algn="ctr"/>
+            <a:endParaRPr lang="en-US" b="1" dirty="0"/>
+          </a:p>
+        </p:txBody>
+      </p:sp>
       <p:sp>
         <p:nvSpPr>
           <p:cNvPr id="12" name="TextBox 11">
@@ -3627,8 +3243,8 @@
         </p:nvSpPr>
         <p:spPr>
           <a:xfrm>
-            <a:off x="305759" y="1476555"/>
-            <a:ext cx="3204841" cy="2400657"/>
+            <a:off x="1562099" y="5557937"/>
+            <a:ext cx="10858389" cy="10156627"/>
           </a:xfrm>
           <a:prstGeom prst="rect">
             <a:avLst/>
@@ -3651,22 +3267,14 @@
           <a:lstStyle/>
           <a:p>
             <a:r>
-              <a:rPr lang="en-US" sz="1000" b="1" dirty="0"/>
+              <a:rPr lang="en-US" sz="6000" b="1" dirty="0"/>
               <a:t>What is a Phylogeny ?</a:t>
             </a:r>
           </a:p>
           <a:p>
             <a:r>
-              <a:rPr lang="en-US" sz="1000" dirty="0"/>
-              <a:t>Phylogenetic is the study of evolutionary relationships among biological entities including species, individuals, and genes. To model these evolutionary relationships statistical functions can derived that mirror the natural processes. These functions can then be applied to different data sets based on what is trying to be analyzed or solved. Many functions are available and take many different variables into account. Choosing which functions best fits your genetic data as well as what best models the natural evolutionary relationships often is based off the data being evaluated. Running these complex statistical functions requires high processing computer-based software such as </a:t>
-            </a:r>
-            <a:r>
-              <a:rPr lang="en-US" sz="1000" dirty="0" err="1"/>
-              <a:t>RevBayes</a:t>
-            </a:r>
-            <a:r>
-              <a:rPr lang="en-US" sz="1000" dirty="0"/>
-              <a:t>. Results of our function are configured into the phylogeny.</a:t>
+              <a:rPr lang="en-US" sz="5400" dirty="0"/>
+              <a:t>Phylogenetics is the study of evolutionary relationships among biological entities including species, individuals, and genes. To model these evolutionary relationships statistical functions can be derived that mirror the evolutionary processes. Running these complex statistical functions requires high processing computer software such as RevBayes. </a:t>
             </a:r>
           </a:p>
         </p:txBody>
@@ -3685,8 +3293,8 @@
         </p:nvSpPr>
         <p:spPr>
           <a:xfrm>
-            <a:off x="8270326" y="3429000"/>
-            <a:ext cx="3497801" cy="3323987"/>
+            <a:off x="1578430" y="16380765"/>
+            <a:ext cx="10858389" cy="11818620"/>
           </a:xfrm>
           <a:prstGeom prst="rect">
             <a:avLst/>
@@ -3709,31 +3317,21 @@
           <a:lstStyle/>
           <a:p>
             <a:r>
-              <a:rPr lang="en-US" sz="1050" b="1" dirty="0"/>
+              <a:rPr lang="en-US" sz="6000" b="1" dirty="0"/>
               <a:t>Methods</a:t>
             </a:r>
-          </a:p>
-          <a:p>
-            <a:r>
-              <a:rPr lang="en-US" sz="1050" dirty="0"/>
-              <a:t>This </a:t>
-            </a:r>
-            <a:r>
-              <a:rPr lang="en-US" sz="1050" dirty="0" err="1"/>
-              <a:t>Baysian</a:t>
-            </a:r>
-            <a:r>
-              <a:rPr lang="en-US" sz="1050" dirty="0"/>
-              <a:t> “total evidence” phylogenetic analysis of extant and fossils species, combining morphological and molecular data as well as stratigraphic ranges from the fossil samples is called the Fossilized Birth-Death Model. Morphological data is the phenotypic or physical data and the molecular data is the genetic data. Stratigraphic ranges are the approximated range of the fossil specimen’s age. The FBD function is ran using </a:t>
-            </a:r>
-            <a:r>
-              <a:rPr lang="en-US" sz="1050" dirty="0" err="1"/>
-              <a:t>RevBayes</a:t>
-            </a:r>
-            <a:r>
-              <a:rPr lang="en-US" sz="1050" dirty="0"/>
-              <a:t>. In our experiment, we’d like to better understand the phylogenetic tree of Formicidae. Our base function to run our analysis of genetic data collected and compose a phylogenetic tree, is the FDB model. This requires that our genetic data on Formicidae be formatted to selective inputs of the FBD model function. With a group selected Formicidae genus that we’ve obtained genetic info for, we sorted through the extant species and extinct species. Next approximations of intervals of the extinct fossils must be derived. Lastly, genetic data as well as fossil intervals are inputted into the FBD model function to create a phylogeny. </a:t>
-            </a:r>
+            <a:endParaRPr lang="en-US" sz="5400" b="1" dirty="0"/>
+          </a:p>
+          <a:p>
+            <a:r>
+              <a:rPr lang="en-US" sz="5400" dirty="0"/>
+              <a:t>This Bayesian “total evidence” phylogenetic analysis of extant and fossils species, combining morphological and molecular data as well as stratigraphic ranges from the fossil samples is called the Fossilized Birth-Death Model. Primary parameters are a constant diversification rate and a continuously stratified time scale. MCMC testing for convergence for the phylogeny, due to orientation of different nestings of the subfamily, Dorylinae. </a:t>
+            </a:r>
+            <a:endParaRPr lang="en-US" sz="5400" dirty="0">
+              <a:solidFill>
+                <a:srgbClr val="FF0000"/>
+              </a:solidFill>
+            </a:endParaRPr>
           </a:p>
         </p:txBody>
       </p:sp>
@@ -3752,14 +3350,14 @@
           <p:nvPr/>
         </p:nvPicPr>
         <p:blipFill rotWithShape="1">
-          <a:blip r:embed="rId4"/>
+          <a:blip r:embed="rId2"/>
           <a:srcRect l="9691" t="14911" r="6819" b="22294"/>
           <a:stretch/>
         </p:blipFill>
         <p:spPr>
           <a:xfrm>
-            <a:off x="9192305" y="464698"/>
-            <a:ext cx="2020191" cy="407683"/>
+            <a:off x="32088206" y="2878836"/>
+            <a:ext cx="6152698" cy="1534996"/>
           </a:xfrm>
           <a:prstGeom prst="rect">
             <a:avLst/>
@@ -3786,7 +3384,7 @@
           <p:nvPr/>
         </p:nvPicPr>
         <p:blipFill>
-          <a:blip r:embed="rId5">
+          <a:blip r:embed="rId3">
             <a:extLst>
               <a:ext uri="{28A0092B-C50C-407E-A947-70E740481C1C}">
                 <a14:useLocalDpi xmlns:a14="http://schemas.microsoft.com/office/drawing/2010/main" val="0"/>
@@ -3800,8 +3398,8 @@
         </p:blipFill>
         <p:spPr bwMode="auto">
           <a:xfrm>
-            <a:off x="460574" y="313177"/>
-            <a:ext cx="2882412" cy="710727"/>
+            <a:off x="1992696" y="2500197"/>
+            <a:ext cx="7760904" cy="1913635"/>
           </a:xfrm>
           <a:prstGeom prst="rect">
             <a:avLst/>
@@ -3838,7 +3436,7 @@
           <p:nvPr/>
         </p:nvPicPr>
         <p:blipFill rotWithShape="1">
-          <a:blip r:embed="rId6">
+          <a:blip r:embed="rId4">
             <a:extLst>
               <a:ext uri="{28A0092B-C50C-407E-A947-70E740481C1C}">
                 <a14:useLocalDpi xmlns:a14="http://schemas.microsoft.com/office/drawing/2010/main" val="0"/>
@@ -3850,8 +3448,8 @@
         </p:blipFill>
         <p:spPr bwMode="auto">
           <a:xfrm>
-            <a:off x="5910049" y="5754846"/>
-            <a:ext cx="1836432" cy="566527"/>
+            <a:off x="20178984" y="25212938"/>
+            <a:ext cx="5670570" cy="1749334"/>
           </a:xfrm>
           <a:prstGeom prst="rect">
             <a:avLst/>
@@ -3883,607 +3481,6 @@
           <p:nvPr/>
         </p:nvPicPr>
         <p:blipFill>
-          <a:blip r:embed="rId7">
-            <a:extLst>
-              <a:ext uri="{28A0092B-C50C-407E-A947-70E740481C1C}">
-                <a14:useLocalDpi xmlns:a14="http://schemas.microsoft.com/office/drawing/2010/main" val="0"/>
-              </a:ext>
-            </a:extLst>
-          </a:blip>
-          <a:srcRect/>
-          <a:stretch>
-            <a:fillRect/>
-          </a:stretch>
-        </p:blipFill>
-        <p:spPr bwMode="auto">
-          <a:xfrm>
-            <a:off x="4364476" y="5754846"/>
-            <a:ext cx="1354345" cy="621935"/>
-          </a:xfrm>
-          <a:prstGeom prst="rect">
-            <a:avLst/>
-          </a:prstGeom>
-          <a:noFill/>
-          <a:extLst>
-            <a:ext uri="{909E8E84-426E-40DD-AFC4-6F175D3DCCD1}">
-              <a14:hiddenFill xmlns:a14="http://schemas.microsoft.com/office/drawing/2010/main">
-                <a:solidFill>
-                  <a:srgbClr val="FFFFFF"/>
-                </a:solidFill>
-              </a14:hiddenFill>
-            </a:ext>
-          </a:extLst>
-        </p:spPr>
-      </p:pic>
-    </p:spTree>
-    <p:extLst>
-      <p:ext uri="{BB962C8B-B14F-4D97-AF65-F5344CB8AC3E}">
-        <p14:creationId xmlns:p14="http://schemas.microsoft.com/office/powerpoint/2010/main" val="1209689255"/>
-      </p:ext>
-    </p:extLst>
-  </p:cSld>
-  <p:clrMapOvr>
-    <a:overrideClrMapping bg1="lt1" tx1="dk1" bg2="lt2" tx2="dk2" accent1="accent1" accent2="accent2" accent3="accent3" accent4="accent4" accent5="accent5" accent6="accent6" hlink="hlink" folHlink="folHlink"/>
-  </p:clrMapOvr>
-</p:sld>
-</file>
-
-<file path=ppt/slides/slide2.xml><?xml version="1.0" encoding="utf-8"?>
-<p:sld xmlns:a="http://schemas.openxmlformats.org/drawingml/2006/main" xmlns:r="http://schemas.openxmlformats.org/officeDocument/2006/relationships" xmlns:p="http://schemas.openxmlformats.org/presentationml/2006/main">
-  <p:cSld>
-    <p:spTree>
-      <p:nvGrpSpPr>
-        <p:cNvPr id="1" name=""/>
-        <p:cNvGrpSpPr/>
-        <p:nvPr/>
-      </p:nvGrpSpPr>
-      <p:grpSpPr>
-        <a:xfrm>
-          <a:off x="0" y="0"/>
-          <a:ext cx="0" cy="0"/>
-          <a:chOff x="0" y="0"/>
-          <a:chExt cx="0" cy="0"/>
-        </a:xfrm>
-      </p:grpSpPr>
-      <p:sp>
-        <p:nvSpPr>
-          <p:cNvPr id="5" name="TextBox 4">
-            <a:extLst>
-              <a:ext uri="{FF2B5EF4-FFF2-40B4-BE49-F238E27FC236}">
-                <a16:creationId xmlns:a16="http://schemas.microsoft.com/office/drawing/2014/main" id="{CA02D8EA-796D-4579-8DE3-CCDFA1454BC2}"/>
-              </a:ext>
-            </a:extLst>
-          </p:cNvPr>
-          <p:cNvSpPr txBox="1"/>
-          <p:nvPr/>
-        </p:nvSpPr>
-        <p:spPr>
-          <a:xfrm>
-            <a:off x="292961" y="3798510"/>
-            <a:ext cx="3217639" cy="2677656"/>
-          </a:xfrm>
-          <a:prstGeom prst="rect">
-            <a:avLst/>
-          </a:prstGeom>
-          <a:solidFill>
-            <a:schemeClr val="bg1">
-              <a:lumMod val="95000"/>
-            </a:schemeClr>
-          </a:solidFill>
-          <a:ln>
-            <a:solidFill>
-              <a:schemeClr val="accent1"/>
-            </a:solidFill>
-          </a:ln>
-        </p:spPr>
-        <p:txBody>
-          <a:bodyPr wrap="square" rtlCol="0">
-            <a:spAutoFit/>
-          </a:bodyPr>
-          <a:lstStyle/>
-          <a:p>
-            <a:r>
-              <a:rPr lang="en-US" sz="1050" b="1" dirty="0"/>
-              <a:t>Why Ants ?</a:t>
-            </a:r>
-          </a:p>
-          <a:p>
-            <a:r>
-              <a:rPr lang="en-US" sz="1050" dirty="0"/>
-              <a:t>Ants are an extraordinary model species to test our theory in the Dirichlet Process and its ability to improve computational efficiency in partitioning large data sets. Scattered countlessly across the surface of the earth are nearly 15,000 described ant species. These ants are major parts of every ecosystem they inhabit as they aid tremendously in the decomposition of most motile macro organisms. Ants scientifically named as Formicidae, diverged into their own lineage approximately 139 million years ago and have been monumental factors across the globe since. Their combined biomass is nearly equal to that of humanity’s. Their current diversity in conjunction to their enormous fossil records provides astounding amounts of genetic data for phylogenetic testing and analysis. </a:t>
-            </a:r>
-            <a:endParaRPr lang="en-US" sz="4000" dirty="0"/>
-          </a:p>
-        </p:txBody>
-      </p:sp>
-      <p:sp>
-        <p:nvSpPr>
-          <p:cNvPr id="7" name="TextBox 6">
-            <a:extLst>
-              <a:ext uri="{FF2B5EF4-FFF2-40B4-BE49-F238E27FC236}">
-                <a16:creationId xmlns:a16="http://schemas.microsoft.com/office/drawing/2014/main" id="{0DA6C93D-81A2-4292-8193-65DD322A3393}"/>
-              </a:ext>
-            </a:extLst>
-          </p:cNvPr>
-          <p:cNvSpPr txBox="1"/>
-          <p:nvPr/>
-        </p:nvSpPr>
-        <p:spPr>
-          <a:xfrm>
-            <a:off x="8309500" y="206876"/>
-            <a:ext cx="3576742" cy="1708160"/>
-          </a:xfrm>
-          <a:prstGeom prst="rect">
-            <a:avLst/>
-          </a:prstGeom>
-          <a:solidFill>
-            <a:schemeClr val="bg1">
-              <a:lumMod val="95000"/>
-            </a:schemeClr>
-          </a:solidFill>
-          <a:ln>
-            <a:solidFill>
-              <a:schemeClr val="accent1"/>
-            </a:solidFill>
-          </a:ln>
-        </p:spPr>
-        <p:txBody>
-          <a:bodyPr wrap="square" rtlCol="0">
-            <a:spAutoFit/>
-          </a:bodyPr>
-          <a:lstStyle/>
-          <a:p>
-            <a:r>
-              <a:rPr lang="en-US" sz="1050" b="1" dirty="0"/>
-              <a:t>Implementing the </a:t>
-            </a:r>
-            <a:r>
-              <a:rPr lang="en-US" sz="1050" b="1" dirty="0" err="1"/>
-              <a:t>Dirchlet</a:t>
-            </a:r>
-            <a:r>
-              <a:rPr lang="en-US" sz="1050" b="1" dirty="0"/>
-              <a:t> Process</a:t>
-            </a:r>
-          </a:p>
-          <a:p>
-            <a:r>
-              <a:rPr lang="en-US" sz="1050" dirty="0"/>
-              <a:t>Genetic data increasingly grows as fossils are collected overtime. The large genetics data sets become progressively difficult for functions to process. This often makes running the functions with these large data sets time consuming. The </a:t>
-            </a:r>
-            <a:r>
-              <a:rPr lang="en-US" sz="1050" dirty="0" err="1"/>
-              <a:t>Dirchlet</a:t>
-            </a:r>
-            <a:r>
-              <a:rPr lang="en-US" sz="1050" dirty="0"/>
-              <a:t> Process is a mixture model the automates finding the subsets of genes that need to be modeled separately. Implementing the </a:t>
-            </a:r>
-            <a:r>
-              <a:rPr lang="en-US" sz="1050" dirty="0" err="1"/>
-              <a:t>Dirchlet</a:t>
-            </a:r>
-            <a:r>
-              <a:rPr lang="en-US" sz="1050" dirty="0"/>
-              <a:t> Process on top of another function, the FDB model, will increase efficient statistical modeling of the biological inferencing through partitioning large data sets.</a:t>
-            </a:r>
-            <a:endParaRPr lang="en-US" sz="1400" dirty="0"/>
-          </a:p>
-        </p:txBody>
-      </p:sp>
-      <p:sp>
-        <p:nvSpPr>
-          <p:cNvPr id="8" name="TextBox 7">
-            <a:extLst>
-              <a:ext uri="{FF2B5EF4-FFF2-40B4-BE49-F238E27FC236}">
-                <a16:creationId xmlns:a16="http://schemas.microsoft.com/office/drawing/2014/main" id="{FF9E272A-6AD5-45AB-9B43-A19E255D1F51}"/>
-              </a:ext>
-            </a:extLst>
-          </p:cNvPr>
-          <p:cNvSpPr txBox="1"/>
-          <p:nvPr/>
-        </p:nvSpPr>
-        <p:spPr>
-          <a:xfrm>
-            <a:off x="8309500" y="2964389"/>
-            <a:ext cx="3576741" cy="1938992"/>
-          </a:xfrm>
-          <a:prstGeom prst="rect">
-            <a:avLst/>
-          </a:prstGeom>
-          <a:solidFill>
-            <a:schemeClr val="bg1">
-              <a:lumMod val="95000"/>
-            </a:schemeClr>
-          </a:solidFill>
-          <a:ln>
-            <a:solidFill>
-              <a:schemeClr val="accent1"/>
-            </a:solidFill>
-          </a:ln>
-        </p:spPr>
-        <p:txBody>
-          <a:bodyPr wrap="square" rtlCol="0">
-            <a:spAutoFit/>
-          </a:bodyPr>
-          <a:lstStyle/>
-          <a:p>
-            <a:r>
-              <a:rPr lang="en-US" sz="4000" dirty="0"/>
-              <a:t>5. Expected results Discussion</a:t>
-            </a:r>
-          </a:p>
-        </p:txBody>
-      </p:sp>
-      <p:sp>
-        <p:nvSpPr>
-          <p:cNvPr id="10" name="TextBox 9">
-            <a:extLst>
-              <a:ext uri="{FF2B5EF4-FFF2-40B4-BE49-F238E27FC236}">
-                <a16:creationId xmlns:a16="http://schemas.microsoft.com/office/drawing/2014/main" id="{58C307F4-600E-4AEE-B2AC-8F180C6C4C67}"/>
-              </a:ext>
-            </a:extLst>
-          </p:cNvPr>
-          <p:cNvSpPr txBox="1"/>
-          <p:nvPr/>
-        </p:nvSpPr>
-        <p:spPr>
-          <a:xfrm>
-            <a:off x="8309499" y="5150911"/>
-            <a:ext cx="3576741" cy="461665"/>
-          </a:xfrm>
-          <a:prstGeom prst="rect">
-            <a:avLst/>
-          </a:prstGeom>
-          <a:solidFill>
-            <a:schemeClr val="bg1">
-              <a:lumMod val="95000"/>
-            </a:schemeClr>
-          </a:solidFill>
-          <a:ln>
-            <a:solidFill>
-              <a:schemeClr val="accent1"/>
-            </a:solidFill>
-          </a:ln>
-        </p:spPr>
-        <p:txBody>
-          <a:bodyPr wrap="square" rtlCol="0">
-            <a:spAutoFit/>
-          </a:bodyPr>
-          <a:lstStyle/>
-          <a:p>
-            <a:r>
-              <a:rPr lang="en-US" sz="2400" dirty="0"/>
-              <a:t>Acknowledgement </a:t>
-            </a:r>
-          </a:p>
-        </p:txBody>
-      </p:sp>
-      <p:pic>
-        <p:nvPicPr>
-          <p:cNvPr id="1028" name="Picture 4" descr="Image result for phylogenetic ant tree">
-            <a:extLst>
-              <a:ext uri="{FF2B5EF4-FFF2-40B4-BE49-F238E27FC236}">
-                <a16:creationId xmlns:a16="http://schemas.microsoft.com/office/drawing/2014/main" id="{6DCD5189-60E5-4CE0-81DA-1A9527D972F3}"/>
-              </a:ext>
-            </a:extLst>
-          </p:cNvPr>
-          <p:cNvPicPr>
-            <a:picLocks noChangeAspect="1" noChangeArrowheads="1"/>
-          </p:cNvPicPr>
-          <p:nvPr/>
-        </p:nvPicPr>
-        <p:blipFill>
-          <a:blip r:embed="rId2">
-            <a:extLst>
-              <a:ext uri="{28A0092B-C50C-407E-A947-70E740481C1C}">
-                <a14:useLocalDpi xmlns:a14="http://schemas.microsoft.com/office/drawing/2010/main" val="0"/>
-              </a:ext>
-            </a:extLst>
-          </a:blip>
-          <a:srcRect/>
-          <a:stretch>
-            <a:fillRect/>
-          </a:stretch>
-        </p:blipFill>
-        <p:spPr bwMode="auto">
-          <a:xfrm>
-            <a:off x="3825517" y="1262471"/>
-            <a:ext cx="2219984" cy="2400656"/>
-          </a:xfrm>
-          <a:prstGeom prst="rect">
-            <a:avLst/>
-          </a:prstGeom>
-          <a:noFill/>
-          <a:extLst>
-            <a:ext uri="{909E8E84-426E-40DD-AFC4-6F175D3DCCD1}">
-              <a14:hiddenFill xmlns:a14="http://schemas.microsoft.com/office/drawing/2010/main">
-                <a:solidFill>
-                  <a:srgbClr val="FFFFFF"/>
-                </a:solidFill>
-              </a14:hiddenFill>
-            </a:ext>
-          </a:extLst>
-        </p:spPr>
-      </p:pic>
-      <p:sp>
-        <p:nvSpPr>
-          <p:cNvPr id="12" name="TextBox 11">
-            <a:extLst>
-              <a:ext uri="{FF2B5EF4-FFF2-40B4-BE49-F238E27FC236}">
-                <a16:creationId xmlns:a16="http://schemas.microsoft.com/office/drawing/2014/main" id="{261B2909-CD91-4782-AC8D-01A2AA446272}"/>
-              </a:ext>
-            </a:extLst>
-          </p:cNvPr>
-          <p:cNvSpPr txBox="1"/>
-          <p:nvPr/>
-        </p:nvSpPr>
-        <p:spPr>
-          <a:xfrm>
-            <a:off x="305759" y="1263425"/>
-            <a:ext cx="3204841" cy="2400657"/>
-          </a:xfrm>
-          <a:prstGeom prst="rect">
-            <a:avLst/>
-          </a:prstGeom>
-          <a:solidFill>
-            <a:schemeClr val="bg1">
-              <a:lumMod val="95000"/>
-            </a:schemeClr>
-          </a:solidFill>
-          <a:ln>
-            <a:solidFill>
-              <a:schemeClr val="accent1"/>
-            </a:solidFill>
-          </a:ln>
-        </p:spPr>
-        <p:txBody>
-          <a:bodyPr wrap="square" rtlCol="0">
-            <a:spAutoFit/>
-          </a:bodyPr>
-          <a:lstStyle/>
-          <a:p>
-            <a:r>
-              <a:rPr lang="en-US" sz="1000" b="1" dirty="0"/>
-              <a:t>What is a Phylogeny ?</a:t>
-            </a:r>
-          </a:p>
-          <a:p>
-            <a:r>
-              <a:rPr lang="en-US" sz="1000" dirty="0"/>
-              <a:t>Phylogenetic is the study of evolutionary relationships among biological entities including species, individuals, and genes. To model these evolutionary relationships statistical functions can derived that mirror the natural processes. These functions can then be applied to different data sets based on what is trying to be analyzed or solved. Many functions are available and take many different variables into account. Choosing which functions best fits your genetic data as well as what best models the natural evolutionary relationships often is based off the data being evaluated. Running these complex statistical functions requires high processing computer-based software such as </a:t>
-            </a:r>
-            <a:r>
-              <a:rPr lang="en-US" sz="1000" dirty="0" err="1"/>
-              <a:t>RevBayes</a:t>
-            </a:r>
-            <a:r>
-              <a:rPr lang="en-US" sz="1000" dirty="0"/>
-              <a:t>. Results of our function are configured into the phylogeny.</a:t>
-            </a:r>
-          </a:p>
-        </p:txBody>
-      </p:sp>
-      <p:sp>
-        <p:nvSpPr>
-          <p:cNvPr id="15" name="TextBox 14">
-            <a:extLst>
-              <a:ext uri="{FF2B5EF4-FFF2-40B4-BE49-F238E27FC236}">
-                <a16:creationId xmlns:a16="http://schemas.microsoft.com/office/drawing/2014/main" id="{4D54B423-5A63-4716-841E-D2EFB9881874}"/>
-              </a:ext>
-            </a:extLst>
-          </p:cNvPr>
-          <p:cNvSpPr txBox="1"/>
-          <p:nvPr/>
-        </p:nvSpPr>
-        <p:spPr>
-          <a:xfrm>
-            <a:off x="3794485" y="3795392"/>
-            <a:ext cx="4137753" cy="2839239"/>
-          </a:xfrm>
-          <a:prstGeom prst="rect">
-            <a:avLst/>
-          </a:prstGeom>
-          <a:solidFill>
-            <a:schemeClr val="bg1">
-              <a:lumMod val="95000"/>
-            </a:schemeClr>
-          </a:solidFill>
-          <a:ln>
-            <a:solidFill>
-              <a:schemeClr val="accent1"/>
-            </a:solidFill>
-          </a:ln>
-        </p:spPr>
-        <p:txBody>
-          <a:bodyPr wrap="square" rtlCol="0">
-            <a:spAutoFit/>
-          </a:bodyPr>
-          <a:lstStyle/>
-          <a:p>
-            <a:r>
-              <a:rPr lang="en-US" sz="1050" b="1" dirty="0"/>
-              <a:t>Methods</a:t>
-            </a:r>
-          </a:p>
-          <a:p>
-            <a:r>
-              <a:rPr lang="en-US" sz="1050" dirty="0"/>
-              <a:t>This </a:t>
-            </a:r>
-            <a:r>
-              <a:rPr lang="en-US" sz="1050" dirty="0" err="1"/>
-              <a:t>Baysian</a:t>
-            </a:r>
-            <a:r>
-              <a:rPr lang="en-US" sz="1050" dirty="0"/>
-              <a:t> “total evidence” phylogenetic analysis of extant and fossils species, combining morphological and molecular data as well as stratigraphic ranges from the fossil samples is called the Fossilized Birth-Death Model. Morphological data is the phenotypic or physical data and the molecular data is the genetic data. Stratigraphic ranges are the approximated range of the fossil specimen’s age. The FBD function is ran using </a:t>
-            </a:r>
-            <a:r>
-              <a:rPr lang="en-US" sz="1050" dirty="0" err="1"/>
-              <a:t>RevBayes</a:t>
-            </a:r>
-            <a:r>
-              <a:rPr lang="en-US" sz="1050" dirty="0"/>
-              <a:t>. In our experiment, we’d like to better understand the phylogenetic tree of Formicidae. Our base function to run our analysis of genetic data collected and compose a phylogenetic tree, is the FDB model. This requires that our genetic data on Formicidae be formatted to selective inputs of the FBD model function. With a group selected Formicidae genus that we’ve obtained genetic info for, we sorted through the extant species and extinct species. Next approximations of intervals of the extinct fossils must be derived. Lastly, genetic data as well as fossil intervals are inputted into the FBD model function to create a phylogeny. </a:t>
-            </a:r>
-          </a:p>
-        </p:txBody>
-      </p:sp>
-      <p:sp>
-        <p:nvSpPr>
-          <p:cNvPr id="13" name="TextBox 12">
-            <a:extLst>
-              <a:ext uri="{FF2B5EF4-FFF2-40B4-BE49-F238E27FC236}">
-                <a16:creationId xmlns:a16="http://schemas.microsoft.com/office/drawing/2014/main" id="{05BE9F75-64C9-4B3A-9D07-EEAF8DBD448E}"/>
-              </a:ext>
-            </a:extLst>
-          </p:cNvPr>
-          <p:cNvSpPr txBox="1"/>
-          <p:nvPr/>
-        </p:nvSpPr>
-        <p:spPr>
-          <a:xfrm>
-            <a:off x="292961" y="204713"/>
-            <a:ext cx="7765317" cy="923330"/>
-          </a:xfrm>
-          <a:prstGeom prst="rect">
-            <a:avLst/>
-          </a:prstGeom>
-          <a:solidFill>
-            <a:schemeClr val="bg1"/>
-          </a:solidFill>
-          <a:ln>
-            <a:solidFill>
-              <a:schemeClr val="tx1"/>
-            </a:solidFill>
-          </a:ln>
-        </p:spPr>
-        <p:txBody>
-          <a:bodyPr wrap="square" rtlCol="0">
-            <a:spAutoFit/>
-          </a:bodyPr>
-          <a:lstStyle/>
-          <a:p>
-            <a:pPr algn="r"/>
-            <a:r>
-              <a:rPr lang="en-US" b="1" dirty="0"/>
-              <a:t>Implementing the Dirichlet Process to Improve </a:t>
-            </a:r>
-          </a:p>
-          <a:p>
-            <a:pPr algn="r"/>
-            <a:r>
-              <a:rPr lang="en-US" b="1" dirty="0"/>
-              <a:t>Computational Efficiency of Partition of Big Data Sets </a:t>
-            </a:r>
-          </a:p>
-          <a:p>
-            <a:pPr algn="r"/>
-            <a:r>
-              <a:rPr lang="en-US" dirty="0"/>
-              <a:t>Tyler Tran and April Wright PhD</a:t>
-            </a:r>
-          </a:p>
-        </p:txBody>
-      </p:sp>
-      <p:pic>
-        <p:nvPicPr>
-          <p:cNvPr id="16" name="Picture 15">
-            <a:extLst>
-              <a:ext uri="{FF2B5EF4-FFF2-40B4-BE49-F238E27FC236}">
-                <a16:creationId xmlns:a16="http://schemas.microsoft.com/office/drawing/2014/main" id="{8E5A4FCD-B9BF-4338-9642-8BB3A4949DBF}"/>
-              </a:ext>
-            </a:extLst>
-          </p:cNvPr>
-          <p:cNvPicPr>
-            <a:picLocks noChangeAspect="1"/>
-          </p:cNvPicPr>
-          <p:nvPr/>
-        </p:nvPicPr>
-        <p:blipFill rotWithShape="1">
-          <a:blip r:embed="rId3"/>
-          <a:srcRect l="9691" t="14911" r="6819" b="22294"/>
-          <a:stretch/>
-        </p:blipFill>
-        <p:spPr>
-          <a:xfrm>
-            <a:off x="305759" y="713762"/>
-            <a:ext cx="2020191" cy="407683"/>
-          </a:xfrm>
-          <a:prstGeom prst="rect">
-            <a:avLst/>
-          </a:prstGeom>
-          <a:ln>
-            <a:noFill/>
-          </a:ln>
-        </p:spPr>
-      </p:pic>
-      <p:pic>
-        <p:nvPicPr>
-          <p:cNvPr id="1036" name="Picture 12" descr="Image result for southeastern louisiana university">
-            <a:extLst>
-              <a:ext uri="{FF2B5EF4-FFF2-40B4-BE49-F238E27FC236}">
-                <a16:creationId xmlns:a16="http://schemas.microsoft.com/office/drawing/2014/main" id="{7D9F344E-1869-4113-8399-F188BDAEE542}"/>
-              </a:ext>
-            </a:extLst>
-          </p:cNvPr>
-          <p:cNvPicPr>
-            <a:picLocks noChangeAspect="1" noChangeArrowheads="1"/>
-          </p:cNvPicPr>
-          <p:nvPr/>
-        </p:nvPicPr>
-        <p:blipFill>
-          <a:blip r:embed="rId4">
-            <a:extLst>
-              <a:ext uri="{28A0092B-C50C-407E-A947-70E740481C1C}">
-                <a14:useLocalDpi xmlns:a14="http://schemas.microsoft.com/office/drawing/2010/main" val="0"/>
-              </a:ext>
-            </a:extLst>
-          </a:blip>
-          <a:srcRect/>
-          <a:stretch>
-            <a:fillRect/>
-          </a:stretch>
-        </p:blipFill>
-        <p:spPr bwMode="auto">
-          <a:xfrm>
-            <a:off x="305759" y="215754"/>
-            <a:ext cx="2020191" cy="498126"/>
-          </a:xfrm>
-          <a:prstGeom prst="rect">
-            <a:avLst/>
-          </a:prstGeom>
-          <a:noFill/>
-          <a:ln>
-            <a:noFill/>
-          </a:ln>
-          <a:extLst>
-            <a:ext uri="{909E8E84-426E-40DD-AFC4-6F175D3DCCD1}">
-              <a14:hiddenFill xmlns:a14="http://schemas.microsoft.com/office/drawing/2010/main">
-                <a:solidFill>
-                  <a:srgbClr val="FFFFFF"/>
-                </a:solidFill>
-              </a14:hiddenFill>
-            </a:ext>
-          </a:extLst>
-        </p:spPr>
-      </p:pic>
-      <p:pic>
-        <p:nvPicPr>
-          <p:cNvPr id="5124" name="Picture 4" descr="LSU Computational Biology Seminar Series Spring 2019">
-            <a:extLst>
-              <a:ext uri="{FF2B5EF4-FFF2-40B4-BE49-F238E27FC236}">
-                <a16:creationId xmlns:a16="http://schemas.microsoft.com/office/drawing/2014/main" id="{261D3B27-F3C2-427E-946A-B547F47ABB3B}"/>
-              </a:ext>
-            </a:extLst>
-          </p:cNvPr>
-          <p:cNvPicPr>
-            <a:picLocks noChangeAspect="1" noChangeArrowheads="1"/>
-          </p:cNvPicPr>
-          <p:nvPr/>
-        </p:nvPicPr>
-        <p:blipFill>
           <a:blip r:embed="rId5">
             <a:extLst>
               <a:ext uri="{28A0092B-C50C-407E-A947-70E740481C1C}">
@@ -4498,8 +3495,8 @@
         </p:blipFill>
         <p:spPr bwMode="auto">
           <a:xfrm>
-            <a:off x="8353887" y="5792649"/>
-            <a:ext cx="909418" cy="841981"/>
+            <a:off x="14745292" y="25212938"/>
+            <a:ext cx="3809408" cy="1749334"/>
           </a:xfrm>
           <a:prstGeom prst="rect">
             <a:avLst/>
@@ -4518,58 +3515,99 @@
       </p:pic>
       <p:pic>
         <p:nvPicPr>
-          <p:cNvPr id="14" name="Picture 20" descr="Image result for southeastern louisiana university biology">
+          <p:cNvPr id="2" name="Picture 1">
             <a:extLst>
               <a:ext uri="{FF2B5EF4-FFF2-40B4-BE49-F238E27FC236}">
-                <a16:creationId xmlns:a16="http://schemas.microsoft.com/office/drawing/2014/main" id="{3147B12F-41AC-45B5-B926-48A8ABA1B423}"/>
+                <a16:creationId xmlns:a16="http://schemas.microsoft.com/office/drawing/2014/main" id="{231117A5-62C6-44AC-A1C0-C2EDAF4D151F}"/>
               </a:ext>
             </a:extLst>
           </p:cNvPr>
           <p:cNvPicPr>
-            <a:picLocks noChangeAspect="1" noChangeArrowheads="1"/>
+            <a:picLocks noChangeAspect="1"/>
           </p:cNvPicPr>
           <p:nvPr/>
         </p:nvPicPr>
-        <p:blipFill rotWithShape="1">
-          <a:blip r:embed="rId6">
-            <a:extLst>
-              <a:ext uri="{28A0092B-C50C-407E-A947-70E740481C1C}">
-                <a14:useLocalDpi xmlns:a14="http://schemas.microsoft.com/office/drawing/2010/main" val="0"/>
-              </a:ext>
-            </a:extLst>
-          </a:blip>
-          <a:srcRect l="9312" r="10187"/>
-          <a:stretch/>
+        <p:blipFill>
+          <a:blip r:embed="rId6"/>
+          <a:stretch>
+            <a:fillRect/>
+          </a:stretch>
         </p:blipFill>
-        <p:spPr bwMode="auto">
+        <p:spPr>
           <a:xfrm>
-            <a:off x="9684954" y="5855663"/>
-            <a:ext cx="2215662" cy="683517"/>
+            <a:off x="13333104" y="5557936"/>
+            <a:ext cx="13567389" cy="10286747"/>
           </a:xfrm>
           <a:prstGeom prst="rect">
             <a:avLst/>
           </a:prstGeom>
-          <a:noFill/>
-          <a:extLst>
-            <a:ext uri="{909E8E84-426E-40DD-AFC4-6F175D3DCCD1}">
-              <a14:hiddenFill xmlns:a14="http://schemas.microsoft.com/office/drawing/2010/main">
-                <a:solidFill>
-                  <a:srgbClr val="FFFFFF"/>
-                </a:solidFill>
-              </a14:hiddenFill>
-            </a:ext>
-          </a:extLst>
+          <a:ln>
+            <a:solidFill>
+              <a:srgbClr val="0070C0"/>
+            </a:solidFill>
+          </a:ln>
         </p:spPr>
       </p:pic>
+      <p:sp>
+        <p:nvSpPr>
+          <p:cNvPr id="3" name="TextBox 2">
+            <a:extLst>
+              <a:ext uri="{FF2B5EF4-FFF2-40B4-BE49-F238E27FC236}">
+                <a16:creationId xmlns:a16="http://schemas.microsoft.com/office/drawing/2014/main" id="{2D7CC3E4-3652-4183-B589-8C64F6BEBB96}"/>
+              </a:ext>
+            </a:extLst>
+          </p:cNvPr>
+          <p:cNvSpPr txBox="1"/>
+          <p:nvPr/>
+        </p:nvSpPr>
+        <p:spPr>
+          <a:xfrm>
+            <a:off x="27813109" y="20825097"/>
+            <a:ext cx="10842060" cy="6832640"/>
+          </a:xfrm>
+          <a:prstGeom prst="rect">
+            <a:avLst/>
+          </a:prstGeom>
+          <a:solidFill>
+            <a:schemeClr val="accent3">
+              <a:lumMod val="20000"/>
+              <a:lumOff val="80000"/>
+            </a:schemeClr>
+          </a:solidFill>
+          <a:ln>
+            <a:solidFill>
+              <a:schemeClr val="accent1"/>
+            </a:solidFill>
+          </a:ln>
+        </p:spPr>
+        <p:txBody>
+          <a:bodyPr wrap="square" rtlCol="0">
+            <a:spAutoFit/>
+          </a:bodyPr>
+          <a:lstStyle/>
+          <a:p>
+            <a:r>
+              <a:rPr lang="en-US" sz="6000" b="1" dirty="0"/>
+              <a:t>Future Goals</a:t>
+            </a:r>
+          </a:p>
+          <a:p>
+            <a:r>
+              <a:rPr lang="en-US" sz="5400" dirty="0"/>
+              <a:t>Computing large data sets common with ant specimen can be incredibly time consuming. Implementation of the Dirichlet Process to our current model to hopefully improve computational efficiency of the partitions of big data sets. </a:t>
+            </a:r>
+          </a:p>
+        </p:txBody>
+      </p:sp>
     </p:spTree>
     <p:extLst>
       <p:ext uri="{BB962C8B-B14F-4D97-AF65-F5344CB8AC3E}">
-        <p14:creationId xmlns:p14="http://schemas.microsoft.com/office/powerpoint/2010/main" val="213537390"/>
+        <p14:creationId xmlns:p14="http://schemas.microsoft.com/office/powerpoint/2010/main" val="1209689255"/>
       </p:ext>
     </p:extLst>
   </p:cSld>
   <p:clrMapOvr>
-    <a:masterClrMapping/>
+    <a:overrideClrMapping bg1="lt1" tx1="dk1" bg2="lt2" tx2="dk2" accent1="accent1" accent2="accent2" accent3="accent3" accent4="accent4" accent5="accent5" accent6="accent6" hlink="hlink" folHlink="folHlink"/>
   </p:clrMapOvr>
 </p:sld>
 </file>
@@ -4577,7 +3615,7 @@
 <file path=ppt/theme/theme1.xml><?xml version="1.0" encoding="utf-8"?>
 <a:theme xmlns:a="http://schemas.openxmlformats.org/drawingml/2006/main" name="Office Theme">
   <a:themeElements>
-    <a:clrScheme name="Office">
+    <a:clrScheme name="Office Theme">
       <a:dk1>
         <a:sysClr val="windowText" lastClr="000000"/>
       </a:dk1>
@@ -4615,7 +3653,7 @@
         <a:srgbClr val="954F72"/>
       </a:folHlink>
     </a:clrScheme>
-    <a:fontScheme name="Office">
+    <a:fontScheme name="Office Theme">
       <a:majorFont>
         <a:latin typeface="Calibri Light" panose="020F0302020204030204"/>
         <a:ea typeface=""/>
@@ -4650,23 +3688,6 @@
         <a:font script="Viet" typeface="Times New Roman"/>
         <a:font script="Uigh" typeface="Microsoft Uighur"/>
         <a:font script="Geor" typeface="Sylfaen"/>
-        <a:font script="Armn" typeface="Arial"/>
-        <a:font script="Bugi" typeface="Leelawadee UI"/>
-        <a:font script="Bopo" typeface="Microsoft JhengHei"/>
-        <a:font script="Java" typeface="Javanese Text"/>
-        <a:font script="Lisu" typeface="Segoe UI"/>
-        <a:font script="Mymr" typeface="Myanmar Text"/>
-        <a:font script="Nkoo" typeface="Ebrima"/>
-        <a:font script="Olck" typeface="Nirmala UI"/>
-        <a:font script="Osma" typeface="Ebrima"/>
-        <a:font script="Phag" typeface="Phagspa"/>
-        <a:font script="Syrn" typeface="Estrangelo Edessa"/>
-        <a:font script="Syrj" typeface="Estrangelo Edessa"/>
-        <a:font script="Syre" typeface="Estrangelo Edessa"/>
-        <a:font script="Sora" typeface="Nirmala UI"/>
-        <a:font script="Tale" typeface="Microsoft Tai Le"/>
-        <a:font script="Talu" typeface="Microsoft New Tai Lue"/>
-        <a:font script="Tfng" typeface="Ebrima"/>
       </a:majorFont>
       <a:minorFont>
         <a:latin typeface="Calibri" panose="020F0502020204030204"/>
@@ -4702,26 +3723,9 @@
         <a:font script="Viet" typeface="Arial"/>
         <a:font script="Uigh" typeface="Microsoft Uighur"/>
         <a:font script="Geor" typeface="Sylfaen"/>
-        <a:font script="Armn" typeface="Arial"/>
-        <a:font script="Bugi" typeface="Leelawadee UI"/>
-        <a:font script="Bopo" typeface="Microsoft JhengHei"/>
-        <a:font script="Java" typeface="Javanese Text"/>
-        <a:font script="Lisu" typeface="Segoe UI"/>
-        <a:font script="Mymr" typeface="Myanmar Text"/>
-        <a:font script="Nkoo" typeface="Ebrima"/>
-        <a:font script="Olck" typeface="Nirmala UI"/>
-        <a:font script="Osma" typeface="Ebrima"/>
-        <a:font script="Phag" typeface="Phagspa"/>
-        <a:font script="Syrn" typeface="Estrangelo Edessa"/>
-        <a:font script="Syrj" typeface="Estrangelo Edessa"/>
-        <a:font script="Syre" typeface="Estrangelo Edessa"/>
-        <a:font script="Sora" typeface="Nirmala UI"/>
-        <a:font script="Tale" typeface="Microsoft Tai Le"/>
-        <a:font script="Talu" typeface="Microsoft New Tai Lue"/>
-        <a:font script="Tfng" typeface="Ebrima"/>
       </a:minorFont>
     </a:fontScheme>
-    <a:fmtScheme name="Office">
+    <a:fmtScheme name="Office Theme">
       <a:fillStyleLst>
         <a:solidFill>
           <a:schemeClr val="phClr"/>
@@ -4867,47 +3871,4 @@
     </a:ext>
   </a:extLst>
 </a:theme>
-</file>
-
-<file path=ppt/theme/themeOverride1.xml><?xml version="1.0" encoding="utf-8"?>
-<a:themeOverride xmlns:a="http://schemas.openxmlformats.org/drawingml/2006/main">
-  <a:clrScheme name="Office">
-    <a:dk1>
-      <a:sysClr val="windowText" lastClr="000000"/>
-    </a:dk1>
-    <a:lt1>
-      <a:sysClr val="window" lastClr="FFFFFF"/>
-    </a:lt1>
-    <a:dk2>
-      <a:srgbClr val="44546A"/>
-    </a:dk2>
-    <a:lt2>
-      <a:srgbClr val="E7E6E6"/>
-    </a:lt2>
-    <a:accent1>
-      <a:srgbClr val="4472C4"/>
-    </a:accent1>
-    <a:accent2>
-      <a:srgbClr val="ED7D31"/>
-    </a:accent2>
-    <a:accent3>
-      <a:srgbClr val="A5A5A5"/>
-    </a:accent3>
-    <a:accent4>
-      <a:srgbClr val="FFC000"/>
-    </a:accent4>
-    <a:accent5>
-      <a:srgbClr val="5B9BD5"/>
-    </a:accent5>
-    <a:accent6>
-      <a:srgbClr val="70AD47"/>
-    </a:accent6>
-    <a:hlink>
-      <a:srgbClr val="0563C1"/>
-    </a:hlink>
-    <a:folHlink>
-      <a:srgbClr val="954F72"/>
-    </a:folHlink>
-  </a:clrScheme>
-</a:themeOverride>
 </file>